--- a/figures/figure1/figure1.pptx
+++ b/figures/figure1/figure1.pptx
@@ -2,12 +2,12 @@
 <file path=ppt/presentation.xml><?xml version="1.0" encoding="utf-8"?>
 <p:presentation xmlns:a="http://schemas.openxmlformats.org/drawingml/2006/main" xmlns:r="http://schemas.openxmlformats.org/officeDocument/2006/relationships" xmlns:p="http://schemas.openxmlformats.org/presentationml/2006/main" saveSubsetFonts="1" autoCompressPictures="0">
   <p:sldMasterIdLst>
-    <p:sldMasterId id="2147483732" r:id="rId1"/>
+    <p:sldMasterId id="2147483804" r:id="rId1"/>
   </p:sldMasterIdLst>
   <p:sldIdLst>
     <p:sldId id="256" r:id="rId2"/>
   </p:sldIdLst>
-  <p:sldSz cx="10058400" cy="10058400"/>
+  <p:sldSz cx="27432000" cy="6400800"/>
   <p:notesSz cx="6858000" cy="9144000"/>
   <p:defaultTextStyle>
     <a:defPPr>
@@ -104,6 +104,11 @@
       </a:defRPr>
     </a:lvl9pPr>
   </p:defaultTextStyle>
+  <p:extLst>
+    <p:ext uri="{EFAFB233-063F-42B5-8137-9DF3F51BA10A}">
+      <p15:sldGuideLst xmlns:p15="http://schemas.microsoft.com/office/powerpoint/2012/main"/>
+    </p:ext>
+  </p:extLst>
 </p:presentation>
 </file>
 
@@ -136,15 +141,15 @@
         </p:nvSpPr>
         <p:spPr>
           <a:xfrm>
-            <a:off x="754380" y="1646133"/>
-            <a:ext cx="8549640" cy="3501813"/>
+            <a:off x="3429000" y="1047539"/>
+            <a:ext cx="20574000" cy="2228427"/>
           </a:xfrm>
         </p:spPr>
         <p:txBody>
           <a:bodyPr anchor="b"/>
           <a:lstStyle>
             <a:lvl1pPr algn="ctr">
-              <a:defRPr sz="6600"/>
+              <a:defRPr sz="5600"/>
             </a:lvl1pPr>
           </a:lstStyle>
           <a:p>
@@ -168,8 +173,8 @@
         </p:nvSpPr>
         <p:spPr>
           <a:xfrm>
-            <a:off x="1257300" y="5282989"/>
-            <a:ext cx="7543800" cy="2428451"/>
+            <a:off x="3429000" y="3361902"/>
+            <a:ext cx="20574000" cy="1545378"/>
           </a:xfrm>
         </p:spPr>
         <p:txBody>
@@ -177,39 +182,39 @@
           <a:lstStyle>
             <a:lvl1pPr marL="0" indent="0" algn="ctr">
               <a:buNone/>
-              <a:defRPr sz="2640"/>
+              <a:defRPr sz="2240"/>
             </a:lvl1pPr>
-            <a:lvl2pPr marL="502920" indent="0" algn="ctr">
-              <a:buNone/>
-              <a:defRPr sz="2200"/>
+            <a:lvl2pPr marL="426705" indent="0" algn="ctr">
+              <a:buNone/>
+              <a:defRPr sz="1867"/>
             </a:lvl2pPr>
-            <a:lvl3pPr marL="1005840" indent="0" algn="ctr">
-              <a:buNone/>
-              <a:defRPr sz="1980"/>
+            <a:lvl3pPr marL="853410" indent="0" algn="ctr">
+              <a:buNone/>
+              <a:defRPr sz="1680"/>
             </a:lvl3pPr>
-            <a:lvl4pPr marL="1508760" indent="0" algn="ctr">
-              <a:buNone/>
-              <a:defRPr sz="1760"/>
+            <a:lvl4pPr marL="1280114" indent="0" algn="ctr">
+              <a:buNone/>
+              <a:defRPr sz="1493"/>
             </a:lvl4pPr>
-            <a:lvl5pPr marL="2011680" indent="0" algn="ctr">
-              <a:buNone/>
-              <a:defRPr sz="1760"/>
+            <a:lvl5pPr marL="1706819" indent="0" algn="ctr">
+              <a:buNone/>
+              <a:defRPr sz="1493"/>
             </a:lvl5pPr>
-            <a:lvl6pPr marL="2514600" indent="0" algn="ctr">
-              <a:buNone/>
-              <a:defRPr sz="1760"/>
+            <a:lvl6pPr marL="2133524" indent="0" algn="ctr">
+              <a:buNone/>
+              <a:defRPr sz="1493"/>
             </a:lvl6pPr>
-            <a:lvl7pPr marL="3017520" indent="0" algn="ctr">
-              <a:buNone/>
-              <a:defRPr sz="1760"/>
+            <a:lvl7pPr marL="2560229" indent="0" algn="ctr">
+              <a:buNone/>
+              <a:defRPr sz="1493"/>
             </a:lvl7pPr>
-            <a:lvl8pPr marL="3520440" indent="0" algn="ctr">
-              <a:buNone/>
-              <a:defRPr sz="1760"/>
+            <a:lvl8pPr marL="2986933" indent="0" algn="ctr">
+              <a:buNone/>
+              <a:defRPr sz="1493"/>
             </a:lvl8pPr>
-            <a:lvl9pPr marL="4023360" indent="0" algn="ctr">
-              <a:buNone/>
-              <a:defRPr sz="1760"/>
+            <a:lvl9pPr marL="3413638" indent="0" algn="ctr">
+              <a:buNone/>
+              <a:defRPr sz="1493"/>
             </a:lvl9pPr>
           </a:lstStyle>
           <a:p>
@@ -238,7 +243,7 @@
           <a:p>
             <a:fld id="{36D6B43A-FB72-2B4A-8DB0-B6C23179BADB}" type="datetimeFigureOut">
               <a:rPr lang="en-US" smtClean="0"/>
-              <a:t>2/19/22</a:t>
+              <a:t>2/27/22</a:t>
             </a:fld>
             <a:endParaRPr lang="en-US"/>
           </a:p>
@@ -289,7 +294,7 @@
     </p:spTree>
     <p:extLst>
       <p:ext uri="{BB962C8B-B14F-4D97-AF65-F5344CB8AC3E}">
-        <p14:creationId xmlns:p14="http://schemas.microsoft.com/office/powerpoint/2010/main" val="1296822219"/>
+        <p14:creationId xmlns:p14="http://schemas.microsoft.com/office/powerpoint/2010/main" val="2858825267"/>
       </p:ext>
     </p:extLst>
   </p:cSld>
@@ -408,7 +413,7 @@
           <a:p>
             <a:fld id="{36D6B43A-FB72-2B4A-8DB0-B6C23179BADB}" type="datetimeFigureOut">
               <a:rPr lang="en-US" smtClean="0"/>
-              <a:t>2/19/22</a:t>
+              <a:t>2/27/22</a:t>
             </a:fld>
             <a:endParaRPr lang="en-US"/>
           </a:p>
@@ -459,7 +464,7 @@
     </p:spTree>
     <p:extLst>
       <p:ext uri="{BB962C8B-B14F-4D97-AF65-F5344CB8AC3E}">
-        <p14:creationId xmlns:p14="http://schemas.microsoft.com/office/powerpoint/2010/main" val="2536156124"/>
+        <p14:creationId xmlns:p14="http://schemas.microsoft.com/office/powerpoint/2010/main" val="2530918553"/>
       </p:ext>
     </p:extLst>
   </p:cSld>
@@ -498,8 +503,8 @@
         </p:nvSpPr>
         <p:spPr>
           <a:xfrm>
-            <a:off x="7198043" y="535517"/>
-            <a:ext cx="2168843" cy="8524029"/>
+            <a:off x="19631025" y="340783"/>
+            <a:ext cx="5915025" cy="5424382"/>
           </a:xfrm>
         </p:spPr>
         <p:txBody>
@@ -526,8 +531,8 @@
         </p:nvSpPr>
         <p:spPr>
           <a:xfrm>
-            <a:off x="691515" y="535517"/>
-            <a:ext cx="6380798" cy="8524029"/>
+            <a:off x="1885950" y="340783"/>
+            <a:ext cx="17402175" cy="5424382"/>
           </a:xfrm>
         </p:spPr>
         <p:txBody>
@@ -588,7 +593,7 @@
           <a:p>
             <a:fld id="{36D6B43A-FB72-2B4A-8DB0-B6C23179BADB}" type="datetimeFigureOut">
               <a:rPr lang="en-US" smtClean="0"/>
-              <a:t>2/19/22</a:t>
+              <a:t>2/27/22</a:t>
             </a:fld>
             <a:endParaRPr lang="en-US"/>
           </a:p>
@@ -639,7 +644,7 @@
     </p:spTree>
     <p:extLst>
       <p:ext uri="{BB962C8B-B14F-4D97-AF65-F5344CB8AC3E}">
-        <p14:creationId xmlns:p14="http://schemas.microsoft.com/office/powerpoint/2010/main" val="2059232230"/>
+        <p14:creationId xmlns:p14="http://schemas.microsoft.com/office/powerpoint/2010/main" val="4087533842"/>
       </p:ext>
     </p:extLst>
   </p:cSld>
@@ -758,7 +763,7 @@
           <a:p>
             <a:fld id="{36D6B43A-FB72-2B4A-8DB0-B6C23179BADB}" type="datetimeFigureOut">
               <a:rPr lang="en-US" smtClean="0"/>
-              <a:t>2/19/22</a:t>
+              <a:t>2/27/22</a:t>
             </a:fld>
             <a:endParaRPr lang="en-US"/>
           </a:p>
@@ -809,7 +814,7 @@
     </p:spTree>
     <p:extLst>
       <p:ext uri="{BB962C8B-B14F-4D97-AF65-F5344CB8AC3E}">
-        <p14:creationId xmlns:p14="http://schemas.microsoft.com/office/powerpoint/2010/main" val="4260202815"/>
+        <p14:creationId xmlns:p14="http://schemas.microsoft.com/office/powerpoint/2010/main" val="3440120405"/>
       </p:ext>
     </p:extLst>
   </p:cSld>
@@ -848,15 +853,15 @@
         </p:nvSpPr>
         <p:spPr>
           <a:xfrm>
-            <a:off x="686277" y="2507618"/>
-            <a:ext cx="8675370" cy="4184014"/>
+            <a:off x="1871663" y="1595756"/>
+            <a:ext cx="23660100" cy="2662555"/>
           </a:xfrm>
         </p:spPr>
         <p:txBody>
           <a:bodyPr anchor="b"/>
           <a:lstStyle>
             <a:lvl1pPr>
-              <a:defRPr sz="6600"/>
+              <a:defRPr sz="5600"/>
             </a:lvl1pPr>
           </a:lstStyle>
           <a:p>
@@ -880,8 +885,8 @@
         </p:nvSpPr>
         <p:spPr>
           <a:xfrm>
-            <a:off x="686277" y="6731215"/>
-            <a:ext cx="8675370" cy="2200274"/>
+            <a:off x="1871663" y="4283499"/>
+            <a:ext cx="23660100" cy="1400175"/>
           </a:xfrm>
         </p:spPr>
         <p:txBody>
@@ -889,15 +894,17 @@
           <a:lstStyle>
             <a:lvl1pPr marL="0" indent="0">
               <a:buNone/>
-              <a:defRPr sz="2640">
+              <a:defRPr sz="2240">
                 <a:solidFill>
-                  <a:schemeClr val="tx1"/>
+                  <a:schemeClr val="tx1">
+                    <a:tint val="75000"/>
+                  </a:schemeClr>
                 </a:solidFill>
               </a:defRPr>
             </a:lvl1pPr>
-            <a:lvl2pPr marL="502920" indent="0">
-              <a:buNone/>
-              <a:defRPr sz="2200">
+            <a:lvl2pPr marL="426705" indent="0">
+              <a:buNone/>
+              <a:defRPr sz="1867">
                 <a:solidFill>
                   <a:schemeClr val="tx1">
                     <a:tint val="75000"/>
@@ -905,9 +912,9 @@
                 </a:solidFill>
               </a:defRPr>
             </a:lvl2pPr>
-            <a:lvl3pPr marL="1005840" indent="0">
-              <a:buNone/>
-              <a:defRPr sz="1980">
+            <a:lvl3pPr marL="853410" indent="0">
+              <a:buNone/>
+              <a:defRPr sz="1680">
                 <a:solidFill>
                   <a:schemeClr val="tx1">
                     <a:tint val="75000"/>
@@ -915,9 +922,9 @@
                 </a:solidFill>
               </a:defRPr>
             </a:lvl3pPr>
-            <a:lvl4pPr marL="1508760" indent="0">
-              <a:buNone/>
-              <a:defRPr sz="1760">
+            <a:lvl4pPr marL="1280114" indent="0">
+              <a:buNone/>
+              <a:defRPr sz="1493">
                 <a:solidFill>
                   <a:schemeClr val="tx1">
                     <a:tint val="75000"/>
@@ -925,9 +932,9 @@
                 </a:solidFill>
               </a:defRPr>
             </a:lvl4pPr>
-            <a:lvl5pPr marL="2011680" indent="0">
-              <a:buNone/>
-              <a:defRPr sz="1760">
+            <a:lvl5pPr marL="1706819" indent="0">
+              <a:buNone/>
+              <a:defRPr sz="1493">
                 <a:solidFill>
                   <a:schemeClr val="tx1">
                     <a:tint val="75000"/>
@@ -935,9 +942,9 @@
                 </a:solidFill>
               </a:defRPr>
             </a:lvl5pPr>
-            <a:lvl6pPr marL="2514600" indent="0">
-              <a:buNone/>
-              <a:defRPr sz="1760">
+            <a:lvl6pPr marL="2133524" indent="0">
+              <a:buNone/>
+              <a:defRPr sz="1493">
                 <a:solidFill>
                   <a:schemeClr val="tx1">
                     <a:tint val="75000"/>
@@ -945,9 +952,9 @@
                 </a:solidFill>
               </a:defRPr>
             </a:lvl6pPr>
-            <a:lvl7pPr marL="3017520" indent="0">
-              <a:buNone/>
-              <a:defRPr sz="1760">
+            <a:lvl7pPr marL="2560229" indent="0">
+              <a:buNone/>
+              <a:defRPr sz="1493">
                 <a:solidFill>
                   <a:schemeClr val="tx1">
                     <a:tint val="75000"/>
@@ -955,9 +962,9 @@
                 </a:solidFill>
               </a:defRPr>
             </a:lvl7pPr>
-            <a:lvl8pPr marL="3520440" indent="0">
-              <a:buNone/>
-              <a:defRPr sz="1760">
+            <a:lvl8pPr marL="2986933" indent="0">
+              <a:buNone/>
+              <a:defRPr sz="1493">
                 <a:solidFill>
                   <a:schemeClr val="tx1">
                     <a:tint val="75000"/>
@@ -965,9 +972,9 @@
                 </a:solidFill>
               </a:defRPr>
             </a:lvl8pPr>
-            <a:lvl9pPr marL="4023360" indent="0">
-              <a:buNone/>
-              <a:defRPr sz="1760">
+            <a:lvl9pPr marL="3413638" indent="0">
+              <a:buNone/>
+              <a:defRPr sz="1493">
                 <a:solidFill>
                   <a:schemeClr val="tx1">
                     <a:tint val="75000"/>
@@ -1002,7 +1009,7 @@
           <a:p>
             <a:fld id="{36D6B43A-FB72-2B4A-8DB0-B6C23179BADB}" type="datetimeFigureOut">
               <a:rPr lang="en-US" smtClean="0"/>
-              <a:t>2/19/22</a:t>
+              <a:t>2/27/22</a:t>
             </a:fld>
             <a:endParaRPr lang="en-US"/>
           </a:p>
@@ -1053,7 +1060,7 @@
     </p:spTree>
     <p:extLst>
       <p:ext uri="{BB962C8B-B14F-4D97-AF65-F5344CB8AC3E}">
-        <p14:creationId xmlns:p14="http://schemas.microsoft.com/office/powerpoint/2010/main" val="2727889664"/>
+        <p14:creationId xmlns:p14="http://schemas.microsoft.com/office/powerpoint/2010/main" val="3288733849"/>
       </p:ext>
     </p:extLst>
   </p:cSld>
@@ -1115,8 +1122,8 @@
         </p:nvSpPr>
         <p:spPr>
           <a:xfrm>
-            <a:off x="691515" y="2677584"/>
-            <a:ext cx="4274820" cy="6381962"/>
+            <a:off x="1885950" y="1703917"/>
+            <a:ext cx="11658600" cy="4061249"/>
           </a:xfrm>
         </p:spPr>
         <p:txBody>
@@ -1172,8 +1179,8 @@
         </p:nvSpPr>
         <p:spPr>
           <a:xfrm>
-            <a:off x="5092065" y="2677584"/>
-            <a:ext cx="4274820" cy="6381962"/>
+            <a:off x="13887450" y="1703917"/>
+            <a:ext cx="11658600" cy="4061249"/>
           </a:xfrm>
         </p:spPr>
         <p:txBody>
@@ -1234,7 +1241,7 @@
           <a:p>
             <a:fld id="{36D6B43A-FB72-2B4A-8DB0-B6C23179BADB}" type="datetimeFigureOut">
               <a:rPr lang="en-US" smtClean="0"/>
-              <a:t>2/19/22</a:t>
+              <a:t>2/27/22</a:t>
             </a:fld>
             <a:endParaRPr lang="en-US"/>
           </a:p>
@@ -1285,7 +1292,7 @@
     </p:spTree>
     <p:extLst>
       <p:ext uri="{BB962C8B-B14F-4D97-AF65-F5344CB8AC3E}">
-        <p14:creationId xmlns:p14="http://schemas.microsoft.com/office/powerpoint/2010/main" val="770020515"/>
+        <p14:creationId xmlns:p14="http://schemas.microsoft.com/office/powerpoint/2010/main" val="2442944716"/>
       </p:ext>
     </p:extLst>
   </p:cSld>
@@ -1324,8 +1331,8 @@
         </p:nvSpPr>
         <p:spPr>
           <a:xfrm>
-            <a:off x="692825" y="535519"/>
-            <a:ext cx="8675370" cy="1944159"/>
+            <a:off x="1889523" y="340784"/>
+            <a:ext cx="23660100" cy="1237192"/>
           </a:xfrm>
         </p:spPr>
         <p:txBody>
@@ -1352,8 +1359,8 @@
         </p:nvSpPr>
         <p:spPr>
           <a:xfrm>
-            <a:off x="692826" y="2465706"/>
-            <a:ext cx="4255174" cy="1208404"/>
+            <a:off x="1889524" y="1569085"/>
+            <a:ext cx="11605021" cy="768985"/>
           </a:xfrm>
         </p:spPr>
         <p:txBody>
@@ -1361,39 +1368,39 @@
           <a:lstStyle>
             <a:lvl1pPr marL="0" indent="0">
               <a:buNone/>
-              <a:defRPr sz="2640" b="1"/>
+              <a:defRPr sz="2240" b="1"/>
             </a:lvl1pPr>
-            <a:lvl2pPr marL="502920" indent="0">
-              <a:buNone/>
-              <a:defRPr sz="2200" b="1"/>
+            <a:lvl2pPr marL="426705" indent="0">
+              <a:buNone/>
+              <a:defRPr sz="1867" b="1"/>
             </a:lvl2pPr>
-            <a:lvl3pPr marL="1005840" indent="0">
-              <a:buNone/>
-              <a:defRPr sz="1980" b="1"/>
+            <a:lvl3pPr marL="853410" indent="0">
+              <a:buNone/>
+              <a:defRPr sz="1680" b="1"/>
             </a:lvl3pPr>
-            <a:lvl4pPr marL="1508760" indent="0">
-              <a:buNone/>
-              <a:defRPr sz="1760" b="1"/>
+            <a:lvl4pPr marL="1280114" indent="0">
+              <a:buNone/>
+              <a:defRPr sz="1493" b="1"/>
             </a:lvl4pPr>
-            <a:lvl5pPr marL="2011680" indent="0">
-              <a:buNone/>
-              <a:defRPr sz="1760" b="1"/>
+            <a:lvl5pPr marL="1706819" indent="0">
+              <a:buNone/>
+              <a:defRPr sz="1493" b="1"/>
             </a:lvl5pPr>
-            <a:lvl6pPr marL="2514600" indent="0">
-              <a:buNone/>
-              <a:defRPr sz="1760" b="1"/>
+            <a:lvl6pPr marL="2133524" indent="0">
+              <a:buNone/>
+              <a:defRPr sz="1493" b="1"/>
             </a:lvl6pPr>
-            <a:lvl7pPr marL="3017520" indent="0">
-              <a:buNone/>
-              <a:defRPr sz="1760" b="1"/>
+            <a:lvl7pPr marL="2560229" indent="0">
+              <a:buNone/>
+              <a:defRPr sz="1493" b="1"/>
             </a:lvl7pPr>
-            <a:lvl8pPr marL="3520440" indent="0">
-              <a:buNone/>
-              <a:defRPr sz="1760" b="1"/>
+            <a:lvl8pPr marL="2986933" indent="0">
+              <a:buNone/>
+              <a:defRPr sz="1493" b="1"/>
             </a:lvl8pPr>
-            <a:lvl9pPr marL="4023360" indent="0">
-              <a:buNone/>
-              <a:defRPr sz="1760" b="1"/>
+            <a:lvl9pPr marL="3413638" indent="0">
+              <a:buNone/>
+              <a:defRPr sz="1493" b="1"/>
             </a:lvl9pPr>
           </a:lstStyle>
           <a:p>
@@ -1417,8 +1424,8 @@
         </p:nvSpPr>
         <p:spPr>
           <a:xfrm>
-            <a:off x="692826" y="3674110"/>
-            <a:ext cx="4255174" cy="5404062"/>
+            <a:off x="1889524" y="2338070"/>
+            <a:ext cx="11605021" cy="3438949"/>
           </a:xfrm>
         </p:spPr>
         <p:txBody>
@@ -1474,8 +1481,8 @@
         </p:nvSpPr>
         <p:spPr>
           <a:xfrm>
-            <a:off x="5092066" y="2465706"/>
-            <a:ext cx="4276130" cy="1208404"/>
+            <a:off x="13887450" y="1569085"/>
+            <a:ext cx="11662173" cy="768985"/>
           </a:xfrm>
         </p:spPr>
         <p:txBody>
@@ -1483,39 +1490,39 @@
           <a:lstStyle>
             <a:lvl1pPr marL="0" indent="0">
               <a:buNone/>
-              <a:defRPr sz="2640" b="1"/>
+              <a:defRPr sz="2240" b="1"/>
             </a:lvl1pPr>
-            <a:lvl2pPr marL="502920" indent="0">
-              <a:buNone/>
-              <a:defRPr sz="2200" b="1"/>
+            <a:lvl2pPr marL="426705" indent="0">
+              <a:buNone/>
+              <a:defRPr sz="1867" b="1"/>
             </a:lvl2pPr>
-            <a:lvl3pPr marL="1005840" indent="0">
-              <a:buNone/>
-              <a:defRPr sz="1980" b="1"/>
+            <a:lvl3pPr marL="853410" indent="0">
+              <a:buNone/>
+              <a:defRPr sz="1680" b="1"/>
             </a:lvl3pPr>
-            <a:lvl4pPr marL="1508760" indent="0">
-              <a:buNone/>
-              <a:defRPr sz="1760" b="1"/>
+            <a:lvl4pPr marL="1280114" indent="0">
+              <a:buNone/>
+              <a:defRPr sz="1493" b="1"/>
             </a:lvl4pPr>
-            <a:lvl5pPr marL="2011680" indent="0">
-              <a:buNone/>
-              <a:defRPr sz="1760" b="1"/>
+            <a:lvl5pPr marL="1706819" indent="0">
+              <a:buNone/>
+              <a:defRPr sz="1493" b="1"/>
             </a:lvl5pPr>
-            <a:lvl6pPr marL="2514600" indent="0">
-              <a:buNone/>
-              <a:defRPr sz="1760" b="1"/>
+            <a:lvl6pPr marL="2133524" indent="0">
+              <a:buNone/>
+              <a:defRPr sz="1493" b="1"/>
             </a:lvl6pPr>
-            <a:lvl7pPr marL="3017520" indent="0">
-              <a:buNone/>
-              <a:defRPr sz="1760" b="1"/>
+            <a:lvl7pPr marL="2560229" indent="0">
+              <a:buNone/>
+              <a:defRPr sz="1493" b="1"/>
             </a:lvl7pPr>
-            <a:lvl8pPr marL="3520440" indent="0">
-              <a:buNone/>
-              <a:defRPr sz="1760" b="1"/>
+            <a:lvl8pPr marL="2986933" indent="0">
+              <a:buNone/>
+              <a:defRPr sz="1493" b="1"/>
             </a:lvl8pPr>
-            <a:lvl9pPr marL="4023360" indent="0">
-              <a:buNone/>
-              <a:defRPr sz="1760" b="1"/>
+            <a:lvl9pPr marL="3413638" indent="0">
+              <a:buNone/>
+              <a:defRPr sz="1493" b="1"/>
             </a:lvl9pPr>
           </a:lstStyle>
           <a:p>
@@ -1539,8 +1546,8 @@
         </p:nvSpPr>
         <p:spPr>
           <a:xfrm>
-            <a:off x="5092066" y="3674110"/>
-            <a:ext cx="4276130" cy="5404062"/>
+            <a:off x="13887450" y="2338070"/>
+            <a:ext cx="11662173" cy="3438949"/>
           </a:xfrm>
         </p:spPr>
         <p:txBody>
@@ -1601,7 +1608,7 @@
           <a:p>
             <a:fld id="{36D6B43A-FB72-2B4A-8DB0-B6C23179BADB}" type="datetimeFigureOut">
               <a:rPr lang="en-US" smtClean="0"/>
-              <a:t>2/19/22</a:t>
+              <a:t>2/27/22</a:t>
             </a:fld>
             <a:endParaRPr lang="en-US"/>
           </a:p>
@@ -1652,7 +1659,7 @@
     </p:spTree>
     <p:extLst>
       <p:ext uri="{BB962C8B-B14F-4D97-AF65-F5344CB8AC3E}">
-        <p14:creationId xmlns:p14="http://schemas.microsoft.com/office/powerpoint/2010/main" val="2825162703"/>
+        <p14:creationId xmlns:p14="http://schemas.microsoft.com/office/powerpoint/2010/main" val="3712872671"/>
       </p:ext>
     </p:extLst>
   </p:cSld>
@@ -1719,7 +1726,7 @@
           <a:p>
             <a:fld id="{36D6B43A-FB72-2B4A-8DB0-B6C23179BADB}" type="datetimeFigureOut">
               <a:rPr lang="en-US" smtClean="0"/>
-              <a:t>2/19/22</a:t>
+              <a:t>2/27/22</a:t>
             </a:fld>
             <a:endParaRPr lang="en-US"/>
           </a:p>
@@ -1770,7 +1777,7 @@
     </p:spTree>
     <p:extLst>
       <p:ext uri="{BB962C8B-B14F-4D97-AF65-F5344CB8AC3E}">
-        <p14:creationId xmlns:p14="http://schemas.microsoft.com/office/powerpoint/2010/main" val="2032453278"/>
+        <p14:creationId xmlns:p14="http://schemas.microsoft.com/office/powerpoint/2010/main" val="2613715828"/>
       </p:ext>
     </p:extLst>
   </p:cSld>
@@ -1814,7 +1821,7 @@
           <a:p>
             <a:fld id="{36D6B43A-FB72-2B4A-8DB0-B6C23179BADB}" type="datetimeFigureOut">
               <a:rPr lang="en-US" smtClean="0"/>
-              <a:t>2/19/22</a:t>
+              <a:t>2/27/22</a:t>
             </a:fld>
             <a:endParaRPr lang="en-US"/>
           </a:p>
@@ -1865,7 +1872,7 @@
     </p:spTree>
     <p:extLst>
       <p:ext uri="{BB962C8B-B14F-4D97-AF65-F5344CB8AC3E}">
-        <p14:creationId xmlns:p14="http://schemas.microsoft.com/office/powerpoint/2010/main" val="3937961596"/>
+        <p14:creationId xmlns:p14="http://schemas.microsoft.com/office/powerpoint/2010/main" val="3015575939"/>
       </p:ext>
     </p:extLst>
   </p:cSld>
@@ -1904,15 +1911,15 @@
         </p:nvSpPr>
         <p:spPr>
           <a:xfrm>
-            <a:off x="692825" y="670560"/>
-            <a:ext cx="3244096" cy="2346960"/>
+            <a:off x="1889524" y="426720"/>
+            <a:ext cx="8847533" cy="1493520"/>
           </a:xfrm>
         </p:spPr>
         <p:txBody>
           <a:bodyPr anchor="b"/>
           <a:lstStyle>
             <a:lvl1pPr>
-              <a:defRPr sz="3520"/>
+              <a:defRPr sz="2987"/>
             </a:lvl1pPr>
           </a:lstStyle>
           <a:p>
@@ -1936,39 +1943,39 @@
         </p:nvSpPr>
         <p:spPr>
           <a:xfrm>
-            <a:off x="4276130" y="1448226"/>
-            <a:ext cx="5092065" cy="7147983"/>
+            <a:off x="11662173" y="921597"/>
+            <a:ext cx="13887450" cy="4548717"/>
           </a:xfrm>
         </p:spPr>
         <p:txBody>
           <a:bodyPr/>
           <a:lstStyle>
             <a:lvl1pPr>
-              <a:defRPr sz="3520"/>
+              <a:defRPr sz="2987"/>
             </a:lvl1pPr>
             <a:lvl2pPr>
-              <a:defRPr sz="3080"/>
+              <a:defRPr sz="2613"/>
             </a:lvl2pPr>
             <a:lvl3pPr>
-              <a:defRPr sz="2640"/>
+              <a:defRPr sz="2240"/>
             </a:lvl3pPr>
             <a:lvl4pPr>
-              <a:defRPr sz="2200"/>
+              <a:defRPr sz="1867"/>
             </a:lvl4pPr>
             <a:lvl5pPr>
-              <a:defRPr sz="2200"/>
+              <a:defRPr sz="1867"/>
             </a:lvl5pPr>
             <a:lvl6pPr>
-              <a:defRPr sz="2200"/>
+              <a:defRPr sz="1867"/>
             </a:lvl6pPr>
             <a:lvl7pPr>
-              <a:defRPr sz="2200"/>
+              <a:defRPr sz="1867"/>
             </a:lvl7pPr>
             <a:lvl8pPr>
-              <a:defRPr sz="2200"/>
+              <a:defRPr sz="1867"/>
             </a:lvl8pPr>
             <a:lvl9pPr>
-              <a:defRPr sz="2200"/>
+              <a:defRPr sz="1867"/>
             </a:lvl9pPr>
           </a:lstStyle>
           <a:p>
@@ -2021,8 +2028,8 @@
         </p:nvSpPr>
         <p:spPr>
           <a:xfrm>
-            <a:off x="692825" y="3017520"/>
-            <a:ext cx="3244096" cy="5590329"/>
+            <a:off x="1889524" y="1920240"/>
+            <a:ext cx="8847533" cy="3557482"/>
           </a:xfrm>
         </p:spPr>
         <p:txBody>
@@ -2030,39 +2037,39 @@
           <a:lstStyle>
             <a:lvl1pPr marL="0" indent="0">
               <a:buNone/>
-              <a:defRPr sz="1760"/>
+              <a:defRPr sz="1493"/>
             </a:lvl1pPr>
-            <a:lvl2pPr marL="502920" indent="0">
-              <a:buNone/>
-              <a:defRPr sz="1540"/>
+            <a:lvl2pPr marL="426705" indent="0">
+              <a:buNone/>
+              <a:defRPr sz="1307"/>
             </a:lvl2pPr>
-            <a:lvl3pPr marL="1005840" indent="0">
-              <a:buNone/>
-              <a:defRPr sz="1320"/>
+            <a:lvl3pPr marL="853410" indent="0">
+              <a:buNone/>
+              <a:defRPr sz="1120"/>
             </a:lvl3pPr>
-            <a:lvl4pPr marL="1508760" indent="0">
-              <a:buNone/>
-              <a:defRPr sz="1100"/>
+            <a:lvl4pPr marL="1280114" indent="0">
+              <a:buNone/>
+              <a:defRPr sz="933"/>
             </a:lvl4pPr>
-            <a:lvl5pPr marL="2011680" indent="0">
-              <a:buNone/>
-              <a:defRPr sz="1100"/>
+            <a:lvl5pPr marL="1706819" indent="0">
+              <a:buNone/>
+              <a:defRPr sz="933"/>
             </a:lvl5pPr>
-            <a:lvl6pPr marL="2514600" indent="0">
-              <a:buNone/>
-              <a:defRPr sz="1100"/>
+            <a:lvl6pPr marL="2133524" indent="0">
+              <a:buNone/>
+              <a:defRPr sz="933"/>
             </a:lvl6pPr>
-            <a:lvl7pPr marL="3017520" indent="0">
-              <a:buNone/>
-              <a:defRPr sz="1100"/>
+            <a:lvl7pPr marL="2560229" indent="0">
+              <a:buNone/>
+              <a:defRPr sz="933"/>
             </a:lvl7pPr>
-            <a:lvl8pPr marL="3520440" indent="0">
-              <a:buNone/>
-              <a:defRPr sz="1100"/>
+            <a:lvl8pPr marL="2986933" indent="0">
+              <a:buNone/>
+              <a:defRPr sz="933"/>
             </a:lvl8pPr>
-            <a:lvl9pPr marL="4023360" indent="0">
-              <a:buNone/>
-              <a:defRPr sz="1100"/>
+            <a:lvl9pPr marL="3413638" indent="0">
+              <a:buNone/>
+              <a:defRPr sz="933"/>
             </a:lvl9pPr>
           </a:lstStyle>
           <a:p>
@@ -2091,7 +2098,7 @@
           <a:p>
             <a:fld id="{36D6B43A-FB72-2B4A-8DB0-B6C23179BADB}" type="datetimeFigureOut">
               <a:rPr lang="en-US" smtClean="0"/>
-              <a:t>2/19/22</a:t>
+              <a:t>2/27/22</a:t>
             </a:fld>
             <a:endParaRPr lang="en-US"/>
           </a:p>
@@ -2142,7 +2149,7 @@
     </p:spTree>
     <p:extLst>
       <p:ext uri="{BB962C8B-B14F-4D97-AF65-F5344CB8AC3E}">
-        <p14:creationId xmlns:p14="http://schemas.microsoft.com/office/powerpoint/2010/main" val="1687452415"/>
+        <p14:creationId xmlns:p14="http://schemas.microsoft.com/office/powerpoint/2010/main" val="2033466815"/>
       </p:ext>
     </p:extLst>
   </p:cSld>
@@ -2181,15 +2188,15 @@
         </p:nvSpPr>
         <p:spPr>
           <a:xfrm>
-            <a:off x="692825" y="670560"/>
-            <a:ext cx="3244096" cy="2346960"/>
+            <a:off x="1889524" y="426720"/>
+            <a:ext cx="8847533" cy="1493520"/>
           </a:xfrm>
         </p:spPr>
         <p:txBody>
           <a:bodyPr anchor="b"/>
           <a:lstStyle>
             <a:lvl1pPr>
-              <a:defRPr sz="3520"/>
+              <a:defRPr sz="2987"/>
             </a:lvl1pPr>
           </a:lstStyle>
           <a:p>
@@ -2213,8 +2220,8 @@
         </p:nvSpPr>
         <p:spPr>
           <a:xfrm>
-            <a:off x="4276130" y="1448226"/>
-            <a:ext cx="5092065" cy="7147983"/>
+            <a:off x="11662173" y="921597"/>
+            <a:ext cx="13887450" cy="4548717"/>
           </a:xfrm>
         </p:spPr>
         <p:txBody>
@@ -2222,39 +2229,39 @@
           <a:lstStyle>
             <a:lvl1pPr marL="0" indent="0">
               <a:buNone/>
-              <a:defRPr sz="3520"/>
+              <a:defRPr sz="2987"/>
             </a:lvl1pPr>
-            <a:lvl2pPr marL="502920" indent="0">
-              <a:buNone/>
-              <a:defRPr sz="3080"/>
+            <a:lvl2pPr marL="426705" indent="0">
+              <a:buNone/>
+              <a:defRPr sz="2613"/>
             </a:lvl2pPr>
-            <a:lvl3pPr marL="1005840" indent="0">
-              <a:buNone/>
-              <a:defRPr sz="2640"/>
+            <a:lvl3pPr marL="853410" indent="0">
+              <a:buNone/>
+              <a:defRPr sz="2240"/>
             </a:lvl3pPr>
-            <a:lvl4pPr marL="1508760" indent="0">
-              <a:buNone/>
-              <a:defRPr sz="2200"/>
+            <a:lvl4pPr marL="1280114" indent="0">
+              <a:buNone/>
+              <a:defRPr sz="1867"/>
             </a:lvl4pPr>
-            <a:lvl5pPr marL="2011680" indent="0">
-              <a:buNone/>
-              <a:defRPr sz="2200"/>
+            <a:lvl5pPr marL="1706819" indent="0">
+              <a:buNone/>
+              <a:defRPr sz="1867"/>
             </a:lvl5pPr>
-            <a:lvl6pPr marL="2514600" indent="0">
-              <a:buNone/>
-              <a:defRPr sz="2200"/>
+            <a:lvl6pPr marL="2133524" indent="0">
+              <a:buNone/>
+              <a:defRPr sz="1867"/>
             </a:lvl6pPr>
-            <a:lvl7pPr marL="3017520" indent="0">
-              <a:buNone/>
-              <a:defRPr sz="2200"/>
+            <a:lvl7pPr marL="2560229" indent="0">
+              <a:buNone/>
+              <a:defRPr sz="1867"/>
             </a:lvl7pPr>
-            <a:lvl8pPr marL="3520440" indent="0">
-              <a:buNone/>
-              <a:defRPr sz="2200"/>
+            <a:lvl8pPr marL="2986933" indent="0">
+              <a:buNone/>
+              <a:defRPr sz="1867"/>
             </a:lvl8pPr>
-            <a:lvl9pPr marL="4023360" indent="0">
-              <a:buNone/>
-              <a:defRPr sz="2200"/>
+            <a:lvl9pPr marL="3413638" indent="0">
+              <a:buNone/>
+              <a:defRPr sz="1867"/>
             </a:lvl9pPr>
           </a:lstStyle>
           <a:p>
@@ -2278,8 +2285,8 @@
         </p:nvSpPr>
         <p:spPr>
           <a:xfrm>
-            <a:off x="692825" y="3017520"/>
-            <a:ext cx="3244096" cy="5590329"/>
+            <a:off x="1889524" y="1920240"/>
+            <a:ext cx="8847533" cy="3557482"/>
           </a:xfrm>
         </p:spPr>
         <p:txBody>
@@ -2287,39 +2294,39 @@
           <a:lstStyle>
             <a:lvl1pPr marL="0" indent="0">
               <a:buNone/>
-              <a:defRPr sz="1760"/>
+              <a:defRPr sz="1493"/>
             </a:lvl1pPr>
-            <a:lvl2pPr marL="502920" indent="0">
-              <a:buNone/>
-              <a:defRPr sz="1540"/>
+            <a:lvl2pPr marL="426705" indent="0">
+              <a:buNone/>
+              <a:defRPr sz="1307"/>
             </a:lvl2pPr>
-            <a:lvl3pPr marL="1005840" indent="0">
-              <a:buNone/>
-              <a:defRPr sz="1320"/>
+            <a:lvl3pPr marL="853410" indent="0">
+              <a:buNone/>
+              <a:defRPr sz="1120"/>
             </a:lvl3pPr>
-            <a:lvl4pPr marL="1508760" indent="0">
-              <a:buNone/>
-              <a:defRPr sz="1100"/>
+            <a:lvl4pPr marL="1280114" indent="0">
+              <a:buNone/>
+              <a:defRPr sz="933"/>
             </a:lvl4pPr>
-            <a:lvl5pPr marL="2011680" indent="0">
-              <a:buNone/>
-              <a:defRPr sz="1100"/>
+            <a:lvl5pPr marL="1706819" indent="0">
+              <a:buNone/>
+              <a:defRPr sz="933"/>
             </a:lvl5pPr>
-            <a:lvl6pPr marL="2514600" indent="0">
-              <a:buNone/>
-              <a:defRPr sz="1100"/>
+            <a:lvl6pPr marL="2133524" indent="0">
+              <a:buNone/>
+              <a:defRPr sz="933"/>
             </a:lvl6pPr>
-            <a:lvl7pPr marL="3017520" indent="0">
-              <a:buNone/>
-              <a:defRPr sz="1100"/>
+            <a:lvl7pPr marL="2560229" indent="0">
+              <a:buNone/>
+              <a:defRPr sz="933"/>
             </a:lvl7pPr>
-            <a:lvl8pPr marL="3520440" indent="0">
-              <a:buNone/>
-              <a:defRPr sz="1100"/>
+            <a:lvl8pPr marL="2986933" indent="0">
+              <a:buNone/>
+              <a:defRPr sz="933"/>
             </a:lvl8pPr>
-            <a:lvl9pPr marL="4023360" indent="0">
-              <a:buNone/>
-              <a:defRPr sz="1100"/>
+            <a:lvl9pPr marL="3413638" indent="0">
+              <a:buNone/>
+              <a:defRPr sz="933"/>
             </a:lvl9pPr>
           </a:lstStyle>
           <a:p>
@@ -2348,7 +2355,7 @@
           <a:p>
             <a:fld id="{36D6B43A-FB72-2B4A-8DB0-B6C23179BADB}" type="datetimeFigureOut">
               <a:rPr lang="en-US" smtClean="0"/>
-              <a:t>2/19/22</a:t>
+              <a:t>2/27/22</a:t>
             </a:fld>
             <a:endParaRPr lang="en-US"/>
           </a:p>
@@ -2399,7 +2406,7 @@
     </p:spTree>
     <p:extLst>
       <p:ext uri="{BB962C8B-B14F-4D97-AF65-F5344CB8AC3E}">
-        <p14:creationId xmlns:p14="http://schemas.microsoft.com/office/powerpoint/2010/main" val="2881308883"/>
+        <p14:creationId xmlns:p14="http://schemas.microsoft.com/office/powerpoint/2010/main" val="4215985110"/>
       </p:ext>
     </p:extLst>
   </p:cSld>
@@ -2443,8 +2450,8 @@
         </p:nvSpPr>
         <p:spPr>
           <a:xfrm>
-            <a:off x="691515" y="535519"/>
-            <a:ext cx="8675370" cy="1944159"/>
+            <a:off x="1885950" y="340784"/>
+            <a:ext cx="23660100" cy="1237192"/>
           </a:xfrm>
           <a:prstGeom prst="rect">
             <a:avLst/>
@@ -2476,8 +2483,8 @@
         </p:nvSpPr>
         <p:spPr>
           <a:xfrm>
-            <a:off x="691515" y="2677584"/>
-            <a:ext cx="8675370" cy="6381962"/>
+            <a:off x="1885950" y="1703917"/>
+            <a:ext cx="23660100" cy="4061249"/>
           </a:xfrm>
           <a:prstGeom prst="rect">
             <a:avLst/>
@@ -2538,8 +2545,8 @@
         </p:nvSpPr>
         <p:spPr>
           <a:xfrm>
-            <a:off x="691515" y="9322649"/>
-            <a:ext cx="2263140" cy="535517"/>
+            <a:off x="1885950" y="5932594"/>
+            <a:ext cx="6172200" cy="340783"/>
           </a:xfrm>
           <a:prstGeom prst="rect">
             <a:avLst/>
@@ -2549,7 +2556,7 @@
           <a:bodyPr vert="horz" lIns="91440" tIns="45720" rIns="91440" bIns="45720" rtlCol="0" anchor="ctr"/>
           <a:lstStyle>
             <a:lvl1pPr algn="l">
-              <a:defRPr sz="1320">
+              <a:defRPr sz="1120">
                 <a:solidFill>
                   <a:schemeClr val="tx1">
                     <a:tint val="75000"/>
@@ -2561,7 +2568,7 @@
           <a:p>
             <a:fld id="{36D6B43A-FB72-2B4A-8DB0-B6C23179BADB}" type="datetimeFigureOut">
               <a:rPr lang="en-US" smtClean="0"/>
-              <a:t>2/19/22</a:t>
+              <a:t>2/27/22</a:t>
             </a:fld>
             <a:endParaRPr lang="en-US"/>
           </a:p>
@@ -2579,8 +2586,8 @@
         </p:nvSpPr>
         <p:spPr>
           <a:xfrm>
-            <a:off x="3331845" y="9322649"/>
-            <a:ext cx="3394710" cy="535517"/>
+            <a:off x="9086850" y="5932594"/>
+            <a:ext cx="9258300" cy="340783"/>
           </a:xfrm>
           <a:prstGeom prst="rect">
             <a:avLst/>
@@ -2590,7 +2597,7 @@
           <a:bodyPr vert="horz" lIns="91440" tIns="45720" rIns="91440" bIns="45720" rtlCol="0" anchor="ctr"/>
           <a:lstStyle>
             <a:lvl1pPr algn="ctr">
-              <a:defRPr sz="1320">
+              <a:defRPr sz="1120">
                 <a:solidFill>
                   <a:schemeClr val="tx1">
                     <a:tint val="75000"/>
@@ -2616,8 +2623,8 @@
         </p:nvSpPr>
         <p:spPr>
           <a:xfrm>
-            <a:off x="7103745" y="9322649"/>
-            <a:ext cx="2263140" cy="535517"/>
+            <a:off x="19373850" y="5932594"/>
+            <a:ext cx="6172200" cy="340783"/>
           </a:xfrm>
           <a:prstGeom prst="rect">
             <a:avLst/>
@@ -2627,7 +2634,7 @@
           <a:bodyPr vert="horz" lIns="91440" tIns="45720" rIns="91440" bIns="45720" rtlCol="0" anchor="ctr"/>
           <a:lstStyle>
             <a:lvl1pPr algn="r">
-              <a:defRPr sz="1320">
+              <a:defRPr sz="1120">
                 <a:solidFill>
                   <a:schemeClr val="tx1">
                     <a:tint val="75000"/>
@@ -2648,27 +2655,27 @@
     </p:spTree>
     <p:extLst>
       <p:ext uri="{BB962C8B-B14F-4D97-AF65-F5344CB8AC3E}">
-        <p14:creationId xmlns:p14="http://schemas.microsoft.com/office/powerpoint/2010/main" val="3889215813"/>
+        <p14:creationId xmlns:p14="http://schemas.microsoft.com/office/powerpoint/2010/main" val="2797903655"/>
       </p:ext>
     </p:extLst>
   </p:cSld>
   <p:clrMap bg1="lt1" tx1="dk1" bg2="lt2" tx2="dk2" accent1="accent1" accent2="accent2" accent3="accent3" accent4="accent4" accent5="accent5" accent6="accent6" hlink="hlink" folHlink="folHlink"/>
   <p:sldLayoutIdLst>
-    <p:sldLayoutId id="2147483733" r:id="rId1"/>
-    <p:sldLayoutId id="2147483734" r:id="rId2"/>
-    <p:sldLayoutId id="2147483735" r:id="rId3"/>
-    <p:sldLayoutId id="2147483736" r:id="rId4"/>
-    <p:sldLayoutId id="2147483737" r:id="rId5"/>
-    <p:sldLayoutId id="2147483738" r:id="rId6"/>
-    <p:sldLayoutId id="2147483739" r:id="rId7"/>
-    <p:sldLayoutId id="2147483740" r:id="rId8"/>
-    <p:sldLayoutId id="2147483741" r:id="rId9"/>
-    <p:sldLayoutId id="2147483742" r:id="rId10"/>
-    <p:sldLayoutId id="2147483743" r:id="rId11"/>
+    <p:sldLayoutId id="2147483805" r:id="rId1"/>
+    <p:sldLayoutId id="2147483806" r:id="rId2"/>
+    <p:sldLayoutId id="2147483807" r:id="rId3"/>
+    <p:sldLayoutId id="2147483808" r:id="rId4"/>
+    <p:sldLayoutId id="2147483809" r:id="rId5"/>
+    <p:sldLayoutId id="2147483810" r:id="rId6"/>
+    <p:sldLayoutId id="2147483811" r:id="rId7"/>
+    <p:sldLayoutId id="2147483812" r:id="rId8"/>
+    <p:sldLayoutId id="2147483813" r:id="rId9"/>
+    <p:sldLayoutId id="2147483814" r:id="rId10"/>
+    <p:sldLayoutId id="2147483815" r:id="rId11"/>
   </p:sldLayoutIdLst>
   <p:txStyles>
     <p:titleStyle>
-      <a:lvl1pPr algn="l" defTabSz="1005840" rtl="0" eaLnBrk="1" latinLnBrk="0" hangingPunct="1">
+      <a:lvl1pPr algn="l" defTabSz="853410" rtl="0" eaLnBrk="1" latinLnBrk="0" hangingPunct="1">
         <a:lnSpc>
           <a:spcPct val="90000"/>
         </a:lnSpc>
@@ -2676,7 +2683,7 @@
           <a:spcPct val="0"/>
         </a:spcBef>
         <a:buNone/>
-        <a:defRPr sz="4840" kern="1200">
+        <a:defRPr sz="4107" kern="1200">
           <a:solidFill>
             <a:schemeClr val="tx1"/>
           </a:solidFill>
@@ -2687,16 +2694,16 @@
       </a:lvl1pPr>
     </p:titleStyle>
     <p:bodyStyle>
-      <a:lvl1pPr marL="251460" indent="-251460" algn="l" defTabSz="1005840" rtl="0" eaLnBrk="1" latinLnBrk="0" hangingPunct="1">
+      <a:lvl1pPr marL="213352" indent="-213352" algn="l" defTabSz="853410" rtl="0" eaLnBrk="1" latinLnBrk="0" hangingPunct="1">
         <a:lnSpc>
           <a:spcPct val="90000"/>
         </a:lnSpc>
         <a:spcBef>
-          <a:spcPts val="1100"/>
+          <a:spcPts val="933"/>
         </a:spcBef>
         <a:buFont typeface="Arial" panose="020B0604020202020204" pitchFamily="34" charset="0"/>
         <a:buChar char="•"/>
-        <a:defRPr sz="3080" kern="1200">
+        <a:defRPr sz="2613" kern="1200">
           <a:solidFill>
             <a:schemeClr val="tx1"/>
           </a:solidFill>
@@ -2705,16 +2712,16 @@
           <a:cs typeface="+mn-cs"/>
         </a:defRPr>
       </a:lvl1pPr>
-      <a:lvl2pPr marL="754380" indent="-251460" algn="l" defTabSz="1005840" rtl="0" eaLnBrk="1" latinLnBrk="0" hangingPunct="1">
+      <a:lvl2pPr marL="640057" indent="-213352" algn="l" defTabSz="853410" rtl="0" eaLnBrk="1" latinLnBrk="0" hangingPunct="1">
         <a:lnSpc>
           <a:spcPct val="90000"/>
         </a:lnSpc>
         <a:spcBef>
-          <a:spcPts val="550"/>
+          <a:spcPts val="467"/>
         </a:spcBef>
         <a:buFont typeface="Arial" panose="020B0604020202020204" pitchFamily="34" charset="0"/>
         <a:buChar char="•"/>
-        <a:defRPr sz="2640" kern="1200">
+        <a:defRPr sz="2240" kern="1200">
           <a:solidFill>
             <a:schemeClr val="tx1"/>
           </a:solidFill>
@@ -2723,16 +2730,16 @@
           <a:cs typeface="+mn-cs"/>
         </a:defRPr>
       </a:lvl2pPr>
-      <a:lvl3pPr marL="1257300" indent="-251460" algn="l" defTabSz="1005840" rtl="0" eaLnBrk="1" latinLnBrk="0" hangingPunct="1">
+      <a:lvl3pPr marL="1066762" indent="-213352" algn="l" defTabSz="853410" rtl="0" eaLnBrk="1" latinLnBrk="0" hangingPunct="1">
         <a:lnSpc>
           <a:spcPct val="90000"/>
         </a:lnSpc>
         <a:spcBef>
-          <a:spcPts val="550"/>
+          <a:spcPts val="467"/>
         </a:spcBef>
         <a:buFont typeface="Arial" panose="020B0604020202020204" pitchFamily="34" charset="0"/>
         <a:buChar char="•"/>
-        <a:defRPr sz="2200" kern="1200">
+        <a:defRPr sz="1867" kern="1200">
           <a:solidFill>
             <a:schemeClr val="tx1"/>
           </a:solidFill>
@@ -2741,16 +2748,16 @@
           <a:cs typeface="+mn-cs"/>
         </a:defRPr>
       </a:lvl3pPr>
-      <a:lvl4pPr marL="1760220" indent="-251460" algn="l" defTabSz="1005840" rtl="0" eaLnBrk="1" latinLnBrk="0" hangingPunct="1">
+      <a:lvl4pPr marL="1493467" indent="-213352" algn="l" defTabSz="853410" rtl="0" eaLnBrk="1" latinLnBrk="0" hangingPunct="1">
         <a:lnSpc>
           <a:spcPct val="90000"/>
         </a:lnSpc>
         <a:spcBef>
-          <a:spcPts val="550"/>
+          <a:spcPts val="467"/>
         </a:spcBef>
         <a:buFont typeface="Arial" panose="020B0604020202020204" pitchFamily="34" charset="0"/>
         <a:buChar char="•"/>
-        <a:defRPr sz="1980" kern="1200">
+        <a:defRPr sz="1680" kern="1200">
           <a:solidFill>
             <a:schemeClr val="tx1"/>
           </a:solidFill>
@@ -2759,16 +2766,16 @@
           <a:cs typeface="+mn-cs"/>
         </a:defRPr>
       </a:lvl4pPr>
-      <a:lvl5pPr marL="2263140" indent="-251460" algn="l" defTabSz="1005840" rtl="0" eaLnBrk="1" latinLnBrk="0" hangingPunct="1">
+      <a:lvl5pPr marL="1920171" indent="-213352" algn="l" defTabSz="853410" rtl="0" eaLnBrk="1" latinLnBrk="0" hangingPunct="1">
         <a:lnSpc>
           <a:spcPct val="90000"/>
         </a:lnSpc>
         <a:spcBef>
-          <a:spcPts val="550"/>
+          <a:spcPts val="467"/>
         </a:spcBef>
         <a:buFont typeface="Arial" panose="020B0604020202020204" pitchFamily="34" charset="0"/>
         <a:buChar char="•"/>
-        <a:defRPr sz="1980" kern="1200">
+        <a:defRPr sz="1680" kern="1200">
           <a:solidFill>
             <a:schemeClr val="tx1"/>
           </a:solidFill>
@@ -2777,16 +2784,16 @@
           <a:cs typeface="+mn-cs"/>
         </a:defRPr>
       </a:lvl5pPr>
-      <a:lvl6pPr marL="2766060" indent="-251460" algn="l" defTabSz="1005840" rtl="0" eaLnBrk="1" latinLnBrk="0" hangingPunct="1">
+      <a:lvl6pPr marL="2346876" indent="-213352" algn="l" defTabSz="853410" rtl="0" eaLnBrk="1" latinLnBrk="0" hangingPunct="1">
         <a:lnSpc>
           <a:spcPct val="90000"/>
         </a:lnSpc>
         <a:spcBef>
-          <a:spcPts val="550"/>
+          <a:spcPts val="467"/>
         </a:spcBef>
         <a:buFont typeface="Arial" panose="020B0604020202020204" pitchFamily="34" charset="0"/>
         <a:buChar char="•"/>
-        <a:defRPr sz="1980" kern="1200">
+        <a:defRPr sz="1680" kern="1200">
           <a:solidFill>
             <a:schemeClr val="tx1"/>
           </a:solidFill>
@@ -2795,16 +2802,16 @@
           <a:cs typeface="+mn-cs"/>
         </a:defRPr>
       </a:lvl6pPr>
-      <a:lvl7pPr marL="3268980" indent="-251460" algn="l" defTabSz="1005840" rtl="0" eaLnBrk="1" latinLnBrk="0" hangingPunct="1">
+      <a:lvl7pPr marL="2773581" indent="-213352" algn="l" defTabSz="853410" rtl="0" eaLnBrk="1" latinLnBrk="0" hangingPunct="1">
         <a:lnSpc>
           <a:spcPct val="90000"/>
         </a:lnSpc>
         <a:spcBef>
-          <a:spcPts val="550"/>
+          <a:spcPts val="467"/>
         </a:spcBef>
         <a:buFont typeface="Arial" panose="020B0604020202020204" pitchFamily="34" charset="0"/>
         <a:buChar char="•"/>
-        <a:defRPr sz="1980" kern="1200">
+        <a:defRPr sz="1680" kern="1200">
           <a:solidFill>
             <a:schemeClr val="tx1"/>
           </a:solidFill>
@@ -2813,16 +2820,16 @@
           <a:cs typeface="+mn-cs"/>
         </a:defRPr>
       </a:lvl7pPr>
-      <a:lvl8pPr marL="3771900" indent="-251460" algn="l" defTabSz="1005840" rtl="0" eaLnBrk="1" latinLnBrk="0" hangingPunct="1">
+      <a:lvl8pPr marL="3200286" indent="-213352" algn="l" defTabSz="853410" rtl="0" eaLnBrk="1" latinLnBrk="0" hangingPunct="1">
         <a:lnSpc>
           <a:spcPct val="90000"/>
         </a:lnSpc>
         <a:spcBef>
-          <a:spcPts val="550"/>
+          <a:spcPts val="467"/>
         </a:spcBef>
         <a:buFont typeface="Arial" panose="020B0604020202020204" pitchFamily="34" charset="0"/>
         <a:buChar char="•"/>
-        <a:defRPr sz="1980" kern="1200">
+        <a:defRPr sz="1680" kern="1200">
           <a:solidFill>
             <a:schemeClr val="tx1"/>
           </a:solidFill>
@@ -2831,16 +2838,16 @@
           <a:cs typeface="+mn-cs"/>
         </a:defRPr>
       </a:lvl8pPr>
-      <a:lvl9pPr marL="4274820" indent="-251460" algn="l" defTabSz="1005840" rtl="0" eaLnBrk="1" latinLnBrk="0" hangingPunct="1">
+      <a:lvl9pPr marL="3626990" indent="-213352" algn="l" defTabSz="853410" rtl="0" eaLnBrk="1" latinLnBrk="0" hangingPunct="1">
         <a:lnSpc>
           <a:spcPct val="90000"/>
         </a:lnSpc>
         <a:spcBef>
-          <a:spcPts val="550"/>
+          <a:spcPts val="467"/>
         </a:spcBef>
         <a:buFont typeface="Arial" panose="020B0604020202020204" pitchFamily="34" charset="0"/>
         <a:buChar char="•"/>
-        <a:defRPr sz="1980" kern="1200">
+        <a:defRPr sz="1680" kern="1200">
           <a:solidFill>
             <a:schemeClr val="tx1"/>
           </a:solidFill>
@@ -2854,8 +2861,8 @@
       <a:defPPr>
         <a:defRPr lang="en-US"/>
       </a:defPPr>
-      <a:lvl1pPr marL="0" algn="l" defTabSz="1005840" rtl="0" eaLnBrk="1" latinLnBrk="0" hangingPunct="1">
-        <a:defRPr sz="1980" kern="1200">
+      <a:lvl1pPr marL="0" algn="l" defTabSz="853410" rtl="0" eaLnBrk="1" latinLnBrk="0" hangingPunct="1">
+        <a:defRPr sz="1680" kern="1200">
           <a:solidFill>
             <a:schemeClr val="tx1"/>
           </a:solidFill>
@@ -2864,8 +2871,8 @@
           <a:cs typeface="+mn-cs"/>
         </a:defRPr>
       </a:lvl1pPr>
-      <a:lvl2pPr marL="502920" algn="l" defTabSz="1005840" rtl="0" eaLnBrk="1" latinLnBrk="0" hangingPunct="1">
-        <a:defRPr sz="1980" kern="1200">
+      <a:lvl2pPr marL="426705" algn="l" defTabSz="853410" rtl="0" eaLnBrk="1" latinLnBrk="0" hangingPunct="1">
+        <a:defRPr sz="1680" kern="1200">
           <a:solidFill>
             <a:schemeClr val="tx1"/>
           </a:solidFill>
@@ -2874,8 +2881,8 @@
           <a:cs typeface="+mn-cs"/>
         </a:defRPr>
       </a:lvl2pPr>
-      <a:lvl3pPr marL="1005840" algn="l" defTabSz="1005840" rtl="0" eaLnBrk="1" latinLnBrk="0" hangingPunct="1">
-        <a:defRPr sz="1980" kern="1200">
+      <a:lvl3pPr marL="853410" algn="l" defTabSz="853410" rtl="0" eaLnBrk="1" latinLnBrk="0" hangingPunct="1">
+        <a:defRPr sz="1680" kern="1200">
           <a:solidFill>
             <a:schemeClr val="tx1"/>
           </a:solidFill>
@@ -2884,8 +2891,8 @@
           <a:cs typeface="+mn-cs"/>
         </a:defRPr>
       </a:lvl3pPr>
-      <a:lvl4pPr marL="1508760" algn="l" defTabSz="1005840" rtl="0" eaLnBrk="1" latinLnBrk="0" hangingPunct="1">
-        <a:defRPr sz="1980" kern="1200">
+      <a:lvl4pPr marL="1280114" algn="l" defTabSz="853410" rtl="0" eaLnBrk="1" latinLnBrk="0" hangingPunct="1">
+        <a:defRPr sz="1680" kern="1200">
           <a:solidFill>
             <a:schemeClr val="tx1"/>
           </a:solidFill>
@@ -2894,8 +2901,8 @@
           <a:cs typeface="+mn-cs"/>
         </a:defRPr>
       </a:lvl4pPr>
-      <a:lvl5pPr marL="2011680" algn="l" defTabSz="1005840" rtl="0" eaLnBrk="1" latinLnBrk="0" hangingPunct="1">
-        <a:defRPr sz="1980" kern="1200">
+      <a:lvl5pPr marL="1706819" algn="l" defTabSz="853410" rtl="0" eaLnBrk="1" latinLnBrk="0" hangingPunct="1">
+        <a:defRPr sz="1680" kern="1200">
           <a:solidFill>
             <a:schemeClr val="tx1"/>
           </a:solidFill>
@@ -2904,8 +2911,8 @@
           <a:cs typeface="+mn-cs"/>
         </a:defRPr>
       </a:lvl5pPr>
-      <a:lvl6pPr marL="2514600" algn="l" defTabSz="1005840" rtl="0" eaLnBrk="1" latinLnBrk="0" hangingPunct="1">
-        <a:defRPr sz="1980" kern="1200">
+      <a:lvl6pPr marL="2133524" algn="l" defTabSz="853410" rtl="0" eaLnBrk="1" latinLnBrk="0" hangingPunct="1">
+        <a:defRPr sz="1680" kern="1200">
           <a:solidFill>
             <a:schemeClr val="tx1"/>
           </a:solidFill>
@@ -2914,8 +2921,8 @@
           <a:cs typeface="+mn-cs"/>
         </a:defRPr>
       </a:lvl6pPr>
-      <a:lvl7pPr marL="3017520" algn="l" defTabSz="1005840" rtl="0" eaLnBrk="1" latinLnBrk="0" hangingPunct="1">
-        <a:defRPr sz="1980" kern="1200">
+      <a:lvl7pPr marL="2560229" algn="l" defTabSz="853410" rtl="0" eaLnBrk="1" latinLnBrk="0" hangingPunct="1">
+        <a:defRPr sz="1680" kern="1200">
           <a:solidFill>
             <a:schemeClr val="tx1"/>
           </a:solidFill>
@@ -2924,8 +2931,8 @@
           <a:cs typeface="+mn-cs"/>
         </a:defRPr>
       </a:lvl7pPr>
-      <a:lvl8pPr marL="3520440" algn="l" defTabSz="1005840" rtl="0" eaLnBrk="1" latinLnBrk="0" hangingPunct="1">
-        <a:defRPr sz="1980" kern="1200">
+      <a:lvl8pPr marL="2986933" algn="l" defTabSz="853410" rtl="0" eaLnBrk="1" latinLnBrk="0" hangingPunct="1">
+        <a:defRPr sz="1680" kern="1200">
           <a:solidFill>
             <a:schemeClr val="tx1"/>
           </a:solidFill>
@@ -2934,8 +2941,8 @@
           <a:cs typeface="+mn-cs"/>
         </a:defRPr>
       </a:lvl8pPr>
-      <a:lvl9pPr marL="4023360" algn="l" defTabSz="1005840" rtl="0" eaLnBrk="1" latinLnBrk="0" hangingPunct="1">
-        <a:defRPr sz="1980" kern="1200">
+      <a:lvl9pPr marL="3413638" algn="l" defTabSz="853410" rtl="0" eaLnBrk="1" latinLnBrk="0" hangingPunct="1">
+        <a:defRPr sz="1680" kern="1200">
           <a:solidFill>
             <a:schemeClr val="tx1"/>
           </a:solidFill>
@@ -2968,10 +2975,10 @@
       </p:grpSpPr>
       <p:pic>
         <p:nvPicPr>
-          <p:cNvPr id="78" name="Graphic 77">
+          <p:cNvPr id="13" name="Graphic 12">
             <a:extLst>
               <a:ext uri="{FF2B5EF4-FFF2-40B4-BE49-F238E27FC236}">
-                <a16:creationId xmlns:a16="http://schemas.microsoft.com/office/drawing/2014/main" id="{437E19E3-DCEB-B440-8A21-FC2C03F4A887}"/>
+                <a16:creationId xmlns:a16="http://schemas.microsoft.com/office/drawing/2014/main" id="{F500DCE2-9990-354B-A4A6-EF56CB00CD4F}"/>
               </a:ext>
             </a:extLst>
           </p:cNvPr>
@@ -2994,8 +3001,38 @@
         </p:blipFill>
         <p:spPr>
           <a:xfrm>
-            <a:off x="3686981" y="1421737"/>
-            <a:ext cx="6400800" cy="4572000"/>
+            <a:off x="10619904" y="17063"/>
+            <a:ext cx="4572000" cy="4572000"/>
+          </a:xfrm>
+          <a:prstGeom prst="rect">
+            <a:avLst/>
+          </a:prstGeom>
+        </p:spPr>
+      </p:pic>
+      <p:pic>
+        <p:nvPicPr>
+          <p:cNvPr id="20" name="Picture 19">
+            <a:extLst>
+              <a:ext uri="{FF2B5EF4-FFF2-40B4-BE49-F238E27FC236}">
+                <a16:creationId xmlns:a16="http://schemas.microsoft.com/office/drawing/2014/main" id="{BB36B237-683F-C746-B544-8CD0F747106F}"/>
+              </a:ext>
+            </a:extLst>
+          </p:cNvPr>
+          <p:cNvPicPr>
+            <a:picLocks noChangeAspect="1"/>
+          </p:cNvPicPr>
+          <p:nvPr/>
+        </p:nvPicPr>
+        <p:blipFill>
+          <a:blip r:embed="rId4"/>
+          <a:stretch>
+            <a:fillRect/>
+          </a:stretch>
+        </p:blipFill>
+        <p:spPr>
+          <a:xfrm>
+            <a:off x="2380114" y="5318026"/>
+            <a:ext cx="2118510" cy="990173"/>
           </a:xfrm>
           <a:prstGeom prst="rect">
             <a:avLst/>
@@ -3016,8 +3053,8 @@
         </p:nvSpPr>
         <p:spPr>
           <a:xfrm>
-            <a:off x="158985" y="202288"/>
-            <a:ext cx="1609745" cy="1291103"/>
+            <a:off x="73365" y="1494215"/>
+            <a:ext cx="1609745" cy="3746624"/>
           </a:xfrm>
           <a:prstGeom prst="plaque">
             <a:avLst/>
@@ -3048,20 +3085,302 @@
           </a:fontRef>
         </p:style>
         <p:txBody>
-          <a:bodyPr rtlCol="0" anchor="ctr"/>
+          <a:bodyPr rot="0" spcFirstLastPara="0" vertOverflow="overflow" horzOverflow="overflow" vert="horz" wrap="square" lIns="91440" tIns="45720" rIns="91440" bIns="45720" numCol="1" spcCol="0" rtlCol="0" fromWordArt="0" anchor="ctr" anchorCtr="0" forceAA="0" compatLnSpc="1">
+            <a:prstTxWarp prst="textNoShape">
+              <a:avLst/>
+            </a:prstTxWarp>
+            <a:noAutofit/>
+          </a:bodyPr>
           <a:lstStyle/>
           <a:p>
             <a:pPr algn="ctr"/>
-            <a:endParaRPr lang="en-US"/>
-          </a:p>
-        </p:txBody>
-      </p:sp>
-      <p:sp>
-        <p:nvSpPr>
-          <p:cNvPr id="68" name="Rounded Rectangle 67">
+            <a:endParaRPr lang="en-US" sz="2800"/>
+          </a:p>
+        </p:txBody>
+      </p:sp>
+      <p:grpSp>
+        <p:nvGrpSpPr>
+          <p:cNvPr id="49" name="Group 48">
             <a:extLst>
               <a:ext uri="{FF2B5EF4-FFF2-40B4-BE49-F238E27FC236}">
-                <a16:creationId xmlns:a16="http://schemas.microsoft.com/office/drawing/2014/main" id="{9464168B-A30C-744E-8927-B01573E7942F}"/>
+                <a16:creationId xmlns:a16="http://schemas.microsoft.com/office/drawing/2014/main" id="{9A865F3C-162C-CC46-910D-EEB50715C263}"/>
+              </a:ext>
+            </a:extLst>
+          </p:cNvPr>
+          <p:cNvGrpSpPr/>
+          <p:nvPr/>
+        </p:nvGrpSpPr>
+        <p:grpSpPr>
+          <a:xfrm>
+            <a:off x="175126" y="1776920"/>
+            <a:ext cx="1432464" cy="1948141"/>
+            <a:chOff x="1138234" y="658951"/>
+            <a:chExt cx="1432464" cy="671338"/>
+          </a:xfrm>
+        </p:grpSpPr>
+        <p:sp>
+          <p:nvSpPr>
+            <p:cNvPr id="21" name="TextBox 20">
+              <a:extLst>
+                <a:ext uri="{FF2B5EF4-FFF2-40B4-BE49-F238E27FC236}">
+                  <a16:creationId xmlns:a16="http://schemas.microsoft.com/office/drawing/2014/main" id="{78FD9455-0BCD-A940-BEFA-1988FB20B9C0}"/>
+                </a:ext>
+              </a:extLst>
+            </p:cNvPr>
+            <p:cNvSpPr txBox="1"/>
+            <p:nvPr/>
+          </p:nvSpPr>
+          <p:spPr>
+            <a:xfrm>
+              <a:off x="1138234" y="1086348"/>
+              <a:ext cx="495649" cy="243941"/>
+            </a:xfrm>
+            <a:prstGeom prst="rect">
+              <a:avLst/>
+            </a:prstGeom>
+            <a:noFill/>
+          </p:spPr>
+          <p:txBody>
+            <a:bodyPr wrap="none" rtlCol="0">
+              <a:spAutoFit/>
+            </a:bodyPr>
+            <a:lstStyle/>
+            <a:p>
+              <a:r>
+                <a:rPr lang="en-US" sz="4000" b="1" i="1" dirty="0"/>
+                <a:t>A</a:t>
+              </a:r>
+            </a:p>
+          </p:txBody>
+        </p:sp>
+        <p:sp>
+          <p:nvSpPr>
+            <p:cNvPr id="22" name="TextBox 21">
+              <a:extLst>
+                <a:ext uri="{FF2B5EF4-FFF2-40B4-BE49-F238E27FC236}">
+                  <a16:creationId xmlns:a16="http://schemas.microsoft.com/office/drawing/2014/main" id="{6E173A80-7693-0340-951E-6FF4CA1885A7}"/>
+                </a:ext>
+              </a:extLst>
+            </p:cNvPr>
+            <p:cNvSpPr txBox="1"/>
+            <p:nvPr/>
+          </p:nvSpPr>
+          <p:spPr>
+            <a:xfrm>
+              <a:off x="1142867" y="709310"/>
+              <a:ext cx="471604" cy="243941"/>
+            </a:xfrm>
+            <a:prstGeom prst="rect">
+              <a:avLst/>
+            </a:prstGeom>
+            <a:noFill/>
+          </p:spPr>
+          <p:txBody>
+            <a:bodyPr wrap="none" rtlCol="0">
+              <a:spAutoFit/>
+            </a:bodyPr>
+            <a:lstStyle/>
+            <a:p>
+              <a:r>
+                <a:rPr lang="en-US" sz="4000" b="1" i="1" dirty="0"/>
+                <a:t>B</a:t>
+              </a:r>
+            </a:p>
+          </p:txBody>
+        </p:sp>
+        <p:sp>
+          <p:nvSpPr>
+            <p:cNvPr id="23" name="TextBox 22">
+              <a:extLst>
+                <a:ext uri="{FF2B5EF4-FFF2-40B4-BE49-F238E27FC236}">
+                  <a16:creationId xmlns:a16="http://schemas.microsoft.com/office/drawing/2014/main" id="{EC46F46C-A4A5-AD4D-8BF7-10E030F323D2}"/>
+                </a:ext>
+              </a:extLst>
+            </p:cNvPr>
+            <p:cNvSpPr txBox="1"/>
+            <p:nvPr/>
+          </p:nvSpPr>
+          <p:spPr>
+            <a:xfrm>
+              <a:off x="1642644" y="868186"/>
+              <a:ext cx="450764" cy="243941"/>
+            </a:xfrm>
+            <a:prstGeom prst="rect">
+              <a:avLst/>
+            </a:prstGeom>
+            <a:noFill/>
+          </p:spPr>
+          <p:txBody>
+            <a:bodyPr wrap="none" rtlCol="0">
+              <a:spAutoFit/>
+            </a:bodyPr>
+            <a:lstStyle/>
+            <a:p>
+              <a:r>
+                <a:rPr lang="en-US" sz="4000" b="1" i="1" dirty="0"/>
+                <a:t>C</a:t>
+              </a:r>
+            </a:p>
+          </p:txBody>
+        </p:sp>
+        <p:sp>
+          <p:nvSpPr>
+            <p:cNvPr id="24" name="TextBox 23">
+              <a:extLst>
+                <a:ext uri="{FF2B5EF4-FFF2-40B4-BE49-F238E27FC236}">
+                  <a16:creationId xmlns:a16="http://schemas.microsoft.com/office/drawing/2014/main" id="{AE4107B1-CCEA-0843-8CEC-95FE8F0AE7C5}"/>
+                </a:ext>
+              </a:extLst>
+            </p:cNvPr>
+            <p:cNvSpPr txBox="1"/>
+            <p:nvPr/>
+          </p:nvSpPr>
+          <p:spPr>
+            <a:xfrm>
+              <a:off x="1924253" y="1082829"/>
+              <a:ext cx="508474" cy="243941"/>
+            </a:xfrm>
+            <a:prstGeom prst="rect">
+              <a:avLst/>
+            </a:prstGeom>
+            <a:noFill/>
+          </p:spPr>
+          <p:txBody>
+            <a:bodyPr wrap="none" rtlCol="0">
+              <a:spAutoFit/>
+            </a:bodyPr>
+            <a:lstStyle/>
+            <a:p>
+              <a:pPr algn="ctr"/>
+              <a:r>
+                <a:rPr lang="en-US" sz="4000" b="1" i="1" dirty="0"/>
+                <a:t>D</a:t>
+              </a:r>
+            </a:p>
+          </p:txBody>
+        </p:sp>
+        <p:sp>
+          <p:nvSpPr>
+            <p:cNvPr id="25" name="TextBox 24">
+              <a:extLst>
+                <a:ext uri="{FF2B5EF4-FFF2-40B4-BE49-F238E27FC236}">
+                  <a16:creationId xmlns:a16="http://schemas.microsoft.com/office/drawing/2014/main" id="{26B19FAD-C2CD-CA4F-B359-369AD339295F}"/>
+                </a:ext>
+              </a:extLst>
+            </p:cNvPr>
+            <p:cNvSpPr txBox="1"/>
+            <p:nvPr/>
+          </p:nvSpPr>
+          <p:spPr>
+            <a:xfrm>
+              <a:off x="1794466" y="658951"/>
+              <a:ext cx="434734" cy="243941"/>
+            </a:xfrm>
+            <a:prstGeom prst="rect">
+              <a:avLst/>
+            </a:prstGeom>
+            <a:noFill/>
+          </p:spPr>
+          <p:txBody>
+            <a:bodyPr wrap="none" rtlCol="0">
+              <a:spAutoFit/>
+            </a:bodyPr>
+            <a:lstStyle/>
+            <a:p>
+              <a:pPr algn="ctr"/>
+              <a:r>
+                <a:rPr lang="en-US" sz="4000" b="1" i="1" dirty="0"/>
+                <a:t>E</a:t>
+              </a:r>
+            </a:p>
+          </p:txBody>
+        </p:sp>
+        <p:sp>
+          <p:nvSpPr>
+            <p:cNvPr id="26" name="TextBox 25">
+              <a:extLst>
+                <a:ext uri="{FF2B5EF4-FFF2-40B4-BE49-F238E27FC236}">
+                  <a16:creationId xmlns:a16="http://schemas.microsoft.com/office/drawing/2014/main" id="{54912828-1C7B-A34A-815A-D78D49EFA552}"/>
+                </a:ext>
+              </a:extLst>
+            </p:cNvPr>
+            <p:cNvSpPr txBox="1"/>
+            <p:nvPr/>
+          </p:nvSpPr>
+          <p:spPr>
+            <a:xfrm>
+              <a:off x="2150390" y="822211"/>
+              <a:ext cx="420308" cy="243941"/>
+            </a:xfrm>
+            <a:prstGeom prst="rect">
+              <a:avLst/>
+            </a:prstGeom>
+            <a:noFill/>
+          </p:spPr>
+          <p:txBody>
+            <a:bodyPr wrap="none" rtlCol="0">
+              <a:spAutoFit/>
+            </a:bodyPr>
+            <a:lstStyle/>
+            <a:p>
+              <a:pPr algn="ctr"/>
+              <a:r>
+                <a:rPr lang="en-US" sz="4000" b="1" i="1" dirty="0"/>
+                <a:t>F</a:t>
+              </a:r>
+            </a:p>
+          </p:txBody>
+        </p:sp>
+      </p:grpSp>
+      <p:sp>
+        <p:nvSpPr>
+          <p:cNvPr id="31" name="TextBox 30">
+            <a:extLst>
+              <a:ext uri="{FF2B5EF4-FFF2-40B4-BE49-F238E27FC236}">
+                <a16:creationId xmlns:a16="http://schemas.microsoft.com/office/drawing/2014/main" id="{2B2253ED-3A9B-FC42-A58A-98BAC2D9DB9C}"/>
+              </a:ext>
+            </a:extLst>
+          </p:cNvPr>
+          <p:cNvSpPr txBox="1"/>
+          <p:nvPr/>
+        </p:nvSpPr>
+        <p:spPr>
+          <a:xfrm>
+            <a:off x="-14506" y="3925652"/>
+            <a:ext cx="1816844" cy="954106"/>
+          </a:xfrm>
+          <a:prstGeom prst="rect">
+            <a:avLst/>
+          </a:prstGeom>
+          <a:noFill/>
+        </p:spPr>
+        <p:txBody>
+          <a:bodyPr wrap="none" rtlCol="0">
+            <a:spAutoFit/>
+          </a:bodyPr>
+          <a:lstStyle/>
+          <a:p>
+            <a:pPr algn="ctr"/>
+            <a:r>
+              <a:rPr lang="en-US" sz="2800" b="1" dirty="0"/>
+              <a:t>Some taxa </a:t>
+            </a:r>
+          </a:p>
+          <a:p>
+            <a:pPr algn="ctr"/>
+            <a:r>
+              <a:rPr lang="en-US" sz="2800" b="1" dirty="0"/>
+              <a:t>of interest</a:t>
+            </a:r>
+          </a:p>
+        </p:txBody>
+      </p:sp>
+      <p:sp>
+        <p:nvSpPr>
+          <p:cNvPr id="54" name="Right Arrow 53">
+            <a:extLst>
+              <a:ext uri="{FF2B5EF4-FFF2-40B4-BE49-F238E27FC236}">
+                <a16:creationId xmlns:a16="http://schemas.microsoft.com/office/drawing/2014/main" id="{588045D9-C7B8-4040-B077-9398A900F7B3}"/>
               </a:ext>
             </a:extLst>
           </p:cNvPr>
@@ -3069,20 +3388,23 @@
           <p:nvPr/>
         </p:nvSpPr>
         <p:spPr>
-          <a:xfrm>
-            <a:off x="101063" y="1909100"/>
-            <a:ext cx="4466125" cy="3120104"/>
+          <a:xfrm rot="5400000">
+            <a:off x="2494727" y="4387465"/>
+            <a:ext cx="1371600" cy="457200"/>
           </a:xfrm>
-          <a:prstGeom prst="roundRect">
+          <a:prstGeom prst="rightArrow">
             <a:avLst/>
           </a:prstGeom>
           <a:solidFill>
-            <a:schemeClr val="bg2">
-              <a:lumMod val="90000"/>
+            <a:schemeClr val="accent1">
+              <a:lumMod val="60000"/>
+              <a:lumOff val="40000"/>
             </a:schemeClr>
           </a:solidFill>
           <a:ln>
-            <a:noFill/>
+            <a:solidFill>
+              <a:srgbClr val="92D050"/>
+            </a:solidFill>
           </a:ln>
         </p:spPr>
         <p:style>
@@ -3102,385 +3424,6 @@
           </a:fontRef>
         </p:style>
         <p:txBody>
-          <a:bodyPr rtlCol="0" anchor="ctr"/>
-          <a:lstStyle/>
-          <a:p>
-            <a:pPr algn="ctr"/>
-            <a:endParaRPr lang="en-US"/>
-          </a:p>
-        </p:txBody>
-      </p:sp>
-      <p:pic>
-        <p:nvPicPr>
-          <p:cNvPr id="20" name="Picture 19">
-            <a:extLst>
-              <a:ext uri="{FF2B5EF4-FFF2-40B4-BE49-F238E27FC236}">
-                <a16:creationId xmlns:a16="http://schemas.microsoft.com/office/drawing/2014/main" id="{BB36B237-683F-C746-B544-8CD0F747106F}"/>
-              </a:ext>
-            </a:extLst>
-          </p:cNvPr>
-          <p:cNvPicPr>
-            <a:picLocks noChangeAspect="1"/>
-          </p:cNvPicPr>
-          <p:nvPr/>
-        </p:nvPicPr>
-        <p:blipFill>
-          <a:blip r:embed="rId4"/>
-          <a:stretch>
-            <a:fillRect/>
-          </a:stretch>
-        </p:blipFill>
-        <p:spPr>
-          <a:xfrm>
-            <a:off x="2675900" y="390844"/>
-            <a:ext cx="1517799" cy="709406"/>
-          </a:xfrm>
-          <a:prstGeom prst="rect">
-            <a:avLst/>
-          </a:prstGeom>
-        </p:spPr>
-      </p:pic>
-      <p:grpSp>
-        <p:nvGrpSpPr>
-          <p:cNvPr id="61" name="Group 60">
-            <a:extLst>
-              <a:ext uri="{FF2B5EF4-FFF2-40B4-BE49-F238E27FC236}">
-                <a16:creationId xmlns:a16="http://schemas.microsoft.com/office/drawing/2014/main" id="{1F4A82FE-1B8B-AC40-B654-F7D98101CBB7}"/>
-              </a:ext>
-            </a:extLst>
-          </p:cNvPr>
-          <p:cNvGrpSpPr/>
-          <p:nvPr/>
-        </p:nvGrpSpPr>
-        <p:grpSpPr>
-          <a:xfrm>
-            <a:off x="349471" y="228590"/>
-            <a:ext cx="1253174" cy="1221194"/>
-            <a:chOff x="215022" y="106084"/>
-            <a:chExt cx="1253174" cy="1221194"/>
-          </a:xfrm>
-        </p:grpSpPr>
-        <p:grpSp>
-          <p:nvGrpSpPr>
-            <p:cNvPr id="49" name="Group 48">
-              <a:extLst>
-                <a:ext uri="{FF2B5EF4-FFF2-40B4-BE49-F238E27FC236}">
-                  <a16:creationId xmlns:a16="http://schemas.microsoft.com/office/drawing/2014/main" id="{9A865F3C-162C-CC46-910D-EEB50715C263}"/>
-                </a:ext>
-              </a:extLst>
-            </p:cNvPr>
-            <p:cNvGrpSpPr/>
-            <p:nvPr/>
-          </p:nvGrpSpPr>
-          <p:grpSpPr>
-            <a:xfrm>
-              <a:off x="215022" y="545306"/>
-              <a:ext cx="1253174" cy="781972"/>
-              <a:chOff x="1196786" y="658951"/>
-              <a:chExt cx="1253174" cy="781972"/>
-            </a:xfrm>
-          </p:grpSpPr>
-          <p:sp>
-            <p:nvSpPr>
-              <p:cNvPr id="21" name="TextBox 20">
-                <a:extLst>
-                  <a:ext uri="{FF2B5EF4-FFF2-40B4-BE49-F238E27FC236}">
-                    <a16:creationId xmlns:a16="http://schemas.microsoft.com/office/drawing/2014/main" id="{78FD9455-0BCD-A940-BEFA-1988FB20B9C0}"/>
-                  </a:ext>
-                </a:extLst>
-              </p:cNvPr>
-              <p:cNvSpPr txBox="1"/>
-              <p:nvPr/>
-            </p:nvSpPr>
-            <p:spPr>
-              <a:xfrm>
-                <a:off x="1196786" y="1015902"/>
-                <a:ext cx="333746" cy="400110"/>
-              </a:xfrm>
-              <a:prstGeom prst="rect">
-                <a:avLst/>
-              </a:prstGeom>
-              <a:noFill/>
-            </p:spPr>
-            <p:txBody>
-              <a:bodyPr wrap="none" rtlCol="0">
-                <a:spAutoFit/>
-              </a:bodyPr>
-              <a:lstStyle/>
-              <a:p>
-                <a:r>
-                  <a:rPr lang="en-US" sz="2000" i="1" dirty="0"/>
-                  <a:t>A</a:t>
-                </a:r>
-              </a:p>
-            </p:txBody>
-          </p:sp>
-          <p:sp>
-            <p:nvSpPr>
-              <p:cNvPr id="22" name="TextBox 21">
-                <a:extLst>
-                  <a:ext uri="{FF2B5EF4-FFF2-40B4-BE49-F238E27FC236}">
-                    <a16:creationId xmlns:a16="http://schemas.microsoft.com/office/drawing/2014/main" id="{6E173A80-7693-0340-951E-6FF4CA1885A7}"/>
-                  </a:ext>
-                </a:extLst>
-              </p:cNvPr>
-              <p:cNvSpPr txBox="1"/>
-              <p:nvPr/>
-            </p:nvSpPr>
-            <p:spPr>
-              <a:xfrm>
-                <a:off x="1356005" y="688249"/>
-                <a:ext cx="324128" cy="400110"/>
-              </a:xfrm>
-              <a:prstGeom prst="rect">
-                <a:avLst/>
-              </a:prstGeom>
-              <a:noFill/>
-            </p:spPr>
-            <p:txBody>
-              <a:bodyPr wrap="none" rtlCol="0">
-                <a:spAutoFit/>
-              </a:bodyPr>
-              <a:lstStyle/>
-              <a:p>
-                <a:r>
-                  <a:rPr lang="en-US" sz="2000" i="1" dirty="0"/>
-                  <a:t>B</a:t>
-                </a:r>
-              </a:p>
-            </p:txBody>
-          </p:sp>
-          <p:sp>
-            <p:nvSpPr>
-              <p:cNvPr id="23" name="TextBox 22">
-                <a:extLst>
-                  <a:ext uri="{FF2B5EF4-FFF2-40B4-BE49-F238E27FC236}">
-                    <a16:creationId xmlns:a16="http://schemas.microsoft.com/office/drawing/2014/main" id="{EC46F46C-A4A5-AD4D-8BF7-10E030F323D2}"/>
-                  </a:ext>
-                </a:extLst>
-              </p:cNvPr>
-              <p:cNvSpPr txBox="1"/>
-              <p:nvPr/>
-            </p:nvSpPr>
-            <p:spPr>
-              <a:xfrm>
-                <a:off x="1551173" y="900681"/>
-                <a:ext cx="319318" cy="400110"/>
-              </a:xfrm>
-              <a:prstGeom prst="rect">
-                <a:avLst/>
-              </a:prstGeom>
-              <a:noFill/>
-            </p:spPr>
-            <p:txBody>
-              <a:bodyPr wrap="none" rtlCol="0">
-                <a:spAutoFit/>
-              </a:bodyPr>
-              <a:lstStyle/>
-              <a:p>
-                <a:r>
-                  <a:rPr lang="en-US" sz="2000" i="1" dirty="0"/>
-                  <a:t>C</a:t>
-                </a:r>
-              </a:p>
-            </p:txBody>
-          </p:sp>
-          <p:sp>
-            <p:nvSpPr>
-              <p:cNvPr id="24" name="TextBox 23">
-                <a:extLst>
-                  <a:ext uri="{FF2B5EF4-FFF2-40B4-BE49-F238E27FC236}">
-                    <a16:creationId xmlns:a16="http://schemas.microsoft.com/office/drawing/2014/main" id="{AE4107B1-CCEA-0843-8CEC-95FE8F0AE7C5}"/>
-                  </a:ext>
-                </a:extLst>
-              </p:cNvPr>
-              <p:cNvSpPr txBox="1"/>
-              <p:nvPr/>
-            </p:nvSpPr>
-            <p:spPr>
-              <a:xfrm>
-                <a:off x="1794250" y="1040813"/>
-                <a:ext cx="341760" cy="400110"/>
-              </a:xfrm>
-              <a:prstGeom prst="rect">
-                <a:avLst/>
-              </a:prstGeom>
-              <a:noFill/>
-            </p:spPr>
-            <p:txBody>
-              <a:bodyPr wrap="none" rtlCol="0">
-                <a:spAutoFit/>
-              </a:bodyPr>
-              <a:lstStyle/>
-              <a:p>
-                <a:pPr algn="ctr"/>
-                <a:r>
-                  <a:rPr lang="en-US" sz="2000" i="1" dirty="0"/>
-                  <a:t>D</a:t>
-                </a:r>
-              </a:p>
-            </p:txBody>
-          </p:sp>
-          <p:sp>
-            <p:nvSpPr>
-              <p:cNvPr id="25" name="TextBox 24">
-                <a:extLst>
-                  <a:ext uri="{FF2B5EF4-FFF2-40B4-BE49-F238E27FC236}">
-                    <a16:creationId xmlns:a16="http://schemas.microsoft.com/office/drawing/2014/main" id="{26B19FAD-C2CD-CA4F-B359-369AD339295F}"/>
-                  </a:ext>
-                </a:extLst>
-              </p:cNvPr>
-              <p:cNvSpPr txBox="1"/>
-              <p:nvPr/>
-            </p:nvSpPr>
-            <p:spPr>
-              <a:xfrm>
-                <a:off x="1856983" y="658951"/>
-                <a:ext cx="309700" cy="400110"/>
-              </a:xfrm>
-              <a:prstGeom prst="rect">
-                <a:avLst/>
-              </a:prstGeom>
-              <a:noFill/>
-            </p:spPr>
-            <p:txBody>
-              <a:bodyPr wrap="none" rtlCol="0">
-                <a:spAutoFit/>
-              </a:bodyPr>
-              <a:lstStyle/>
-              <a:p>
-                <a:pPr algn="ctr"/>
-                <a:r>
-                  <a:rPr lang="en-US" sz="2000" i="1" dirty="0"/>
-                  <a:t>E</a:t>
-                </a:r>
-              </a:p>
-            </p:txBody>
-          </p:sp>
-          <p:sp>
-            <p:nvSpPr>
-              <p:cNvPr id="26" name="TextBox 25">
-                <a:extLst>
-                  <a:ext uri="{FF2B5EF4-FFF2-40B4-BE49-F238E27FC236}">
-                    <a16:creationId xmlns:a16="http://schemas.microsoft.com/office/drawing/2014/main" id="{54912828-1C7B-A34A-815A-D78D49EFA552}"/>
-                  </a:ext>
-                </a:extLst>
-              </p:cNvPr>
-              <p:cNvSpPr txBox="1"/>
-              <p:nvPr/>
-            </p:nvSpPr>
-            <p:spPr>
-              <a:xfrm>
-                <a:off x="2146672" y="760398"/>
-                <a:ext cx="303288" cy="400110"/>
-              </a:xfrm>
-              <a:prstGeom prst="rect">
-                <a:avLst/>
-              </a:prstGeom>
-              <a:noFill/>
-            </p:spPr>
-            <p:txBody>
-              <a:bodyPr wrap="none" rtlCol="0">
-                <a:spAutoFit/>
-              </a:bodyPr>
-              <a:lstStyle/>
-              <a:p>
-                <a:pPr algn="ctr"/>
-                <a:r>
-                  <a:rPr lang="en-US" sz="2000" i="1" dirty="0"/>
-                  <a:t>F</a:t>
-                </a:r>
-              </a:p>
-            </p:txBody>
-          </p:sp>
-        </p:grpSp>
-        <p:sp>
-          <p:nvSpPr>
-            <p:cNvPr id="31" name="TextBox 30">
-              <a:extLst>
-                <a:ext uri="{FF2B5EF4-FFF2-40B4-BE49-F238E27FC236}">
-                  <a16:creationId xmlns:a16="http://schemas.microsoft.com/office/drawing/2014/main" id="{2B2253ED-3A9B-FC42-A58A-98BAC2D9DB9C}"/>
-                </a:ext>
-              </a:extLst>
-            </p:cNvPr>
-            <p:cNvSpPr txBox="1"/>
-            <p:nvPr/>
-          </p:nvSpPr>
-          <p:spPr>
-            <a:xfrm>
-              <a:off x="291898" y="106084"/>
-              <a:ext cx="979051" cy="523220"/>
-            </a:xfrm>
-            <a:prstGeom prst="rect">
-              <a:avLst/>
-            </a:prstGeom>
-            <a:noFill/>
-          </p:spPr>
-          <p:txBody>
-            <a:bodyPr wrap="none" rtlCol="0">
-              <a:spAutoFit/>
-            </a:bodyPr>
-            <a:lstStyle/>
-            <a:p>
-              <a:pPr algn="ctr"/>
-              <a:r>
-                <a:rPr lang="en-US" sz="1400" dirty="0"/>
-                <a:t>Some taxa </a:t>
-              </a:r>
-            </a:p>
-            <a:p>
-              <a:pPr algn="ctr"/>
-              <a:r>
-                <a:rPr lang="en-US" sz="1400" dirty="0"/>
-                <a:t>of interest</a:t>
-              </a:r>
-            </a:p>
-          </p:txBody>
-        </p:sp>
-      </p:grpSp>
-      <p:sp>
-        <p:nvSpPr>
-          <p:cNvPr id="36" name="Rounded Rectangle 35">
-            <a:extLst>
-              <a:ext uri="{FF2B5EF4-FFF2-40B4-BE49-F238E27FC236}">
-                <a16:creationId xmlns:a16="http://schemas.microsoft.com/office/drawing/2014/main" id="{CD58CEDB-EFC2-6841-8A61-8BB2FCF16A78}"/>
-              </a:ext>
-            </a:extLst>
-          </p:cNvPr>
-          <p:cNvSpPr/>
-          <p:nvPr/>
-        </p:nvSpPr>
-        <p:spPr>
-          <a:xfrm>
-            <a:off x="180098" y="3415838"/>
-            <a:ext cx="2128684" cy="1442486"/>
-          </a:xfrm>
-          <a:prstGeom prst="roundRect">
-            <a:avLst/>
-          </a:prstGeom>
-          <a:solidFill>
-            <a:srgbClr val="456CE3">
-              <a:alpha val="69804"/>
-            </a:srgbClr>
-          </a:solidFill>
-        </p:spPr>
-        <p:style>
-          <a:lnRef idx="2">
-            <a:schemeClr val="accent1">
-              <a:shade val="50000"/>
-            </a:schemeClr>
-          </a:lnRef>
-          <a:fillRef idx="1">
-            <a:schemeClr val="accent1"/>
-          </a:fillRef>
-          <a:effectRef idx="0">
-            <a:schemeClr val="accent1"/>
-          </a:effectRef>
-          <a:fontRef idx="minor">
-            <a:schemeClr val="lt1"/>
-          </a:fontRef>
-        </p:style>
-        <p:txBody>
           <a:bodyPr rot="0" spcFirstLastPara="0" vertOverflow="overflow" horzOverflow="overflow" vert="horz" wrap="square" lIns="91440" tIns="45720" rIns="91440" bIns="45720" numCol="1" spcCol="0" rtlCol="0" fromWordArt="0" anchor="ctr" anchorCtr="0" forceAA="0" compatLnSpc="1">
             <a:prstTxWarp prst="textNoShape">
               <a:avLst/>
@@ -3490,16 +3433,16 @@
           <a:lstStyle/>
           <a:p>
             <a:pPr algn="ctr"/>
-            <a:endParaRPr lang="en-US" dirty="0"/>
-          </a:p>
-        </p:txBody>
-      </p:sp>
-      <p:sp>
-        <p:nvSpPr>
-          <p:cNvPr id="34" name="Rounded Rectangle 33">
+            <a:endParaRPr lang="en-US"/>
+          </a:p>
+        </p:txBody>
+      </p:sp>
+      <p:sp>
+        <p:nvSpPr>
+          <p:cNvPr id="55" name="Right Arrow 54">
             <a:extLst>
               <a:ext uri="{FF2B5EF4-FFF2-40B4-BE49-F238E27FC236}">
-                <a16:creationId xmlns:a16="http://schemas.microsoft.com/office/drawing/2014/main" id="{33D05290-8A40-FE40-B299-1F189A78A030}"/>
+                <a16:creationId xmlns:a16="http://schemas.microsoft.com/office/drawing/2014/main" id="{3A8A8D11-9625-A24D-ADD7-4CCB40153563}"/>
               </a:ext>
             </a:extLst>
           </p:cNvPr>
@@ -3507,121 +3450,9 @@
           <p:nvPr/>
         </p:nvSpPr>
         <p:spPr>
-          <a:xfrm>
-            <a:off x="2215308" y="1995348"/>
-            <a:ext cx="2128684" cy="1442486"/>
-          </a:xfrm>
-          <a:prstGeom prst="roundRect">
-            <a:avLst/>
-          </a:prstGeom>
-          <a:solidFill>
-            <a:srgbClr val="D23004">
-              <a:alpha val="69804"/>
-            </a:srgbClr>
-          </a:solidFill>
-        </p:spPr>
-        <p:style>
-          <a:lnRef idx="2">
-            <a:schemeClr val="accent1">
-              <a:shade val="50000"/>
-            </a:schemeClr>
-          </a:lnRef>
-          <a:fillRef idx="1">
-            <a:schemeClr val="accent1"/>
-          </a:fillRef>
-          <a:effectRef idx="0">
-            <a:schemeClr val="accent1"/>
-          </a:effectRef>
-          <a:fontRef idx="minor">
-            <a:schemeClr val="lt1"/>
-          </a:fontRef>
-        </p:style>
-        <p:txBody>
-          <a:bodyPr rot="0" spcFirstLastPara="0" vertOverflow="overflow" horzOverflow="overflow" vert="horz" wrap="square" lIns="91440" tIns="45720" rIns="91440" bIns="45720" numCol="1" spcCol="0" rtlCol="0" fromWordArt="0" anchor="ctr" anchorCtr="0" forceAA="0" compatLnSpc="1">
-            <a:prstTxWarp prst="textNoShape">
-              <a:avLst/>
-            </a:prstTxWarp>
-            <a:noAutofit/>
-          </a:bodyPr>
-          <a:lstStyle/>
-          <a:p>
-            <a:pPr algn="ctr"/>
-            <a:endParaRPr lang="en-US" dirty="0"/>
-          </a:p>
-        </p:txBody>
-      </p:sp>
-      <p:sp>
-        <p:nvSpPr>
-          <p:cNvPr id="35" name="Rounded Rectangle 34">
-            <a:extLst>
-              <a:ext uri="{FF2B5EF4-FFF2-40B4-BE49-F238E27FC236}">
-                <a16:creationId xmlns:a16="http://schemas.microsoft.com/office/drawing/2014/main" id="{324B8426-E3BE-B34E-8A6F-E1CDC7669758}"/>
-              </a:ext>
-            </a:extLst>
-          </p:cNvPr>
-          <p:cNvSpPr/>
-          <p:nvPr/>
-        </p:nvSpPr>
-        <p:spPr>
-          <a:xfrm>
-            <a:off x="2333174" y="3503706"/>
-            <a:ext cx="2128684" cy="1442486"/>
-          </a:xfrm>
-          <a:prstGeom prst="roundRect">
-            <a:avLst/>
-          </a:prstGeom>
-          <a:solidFill>
-            <a:srgbClr val="A2FD3B">
-              <a:alpha val="69804"/>
-            </a:srgbClr>
-          </a:solidFill>
-        </p:spPr>
-        <p:style>
-          <a:lnRef idx="2">
-            <a:schemeClr val="accent1">
-              <a:shade val="50000"/>
-            </a:schemeClr>
-          </a:lnRef>
-          <a:fillRef idx="1">
-            <a:schemeClr val="accent1"/>
-          </a:fillRef>
-          <a:effectRef idx="0">
-            <a:schemeClr val="accent1"/>
-          </a:effectRef>
-          <a:fontRef idx="minor">
-            <a:schemeClr val="lt1"/>
-          </a:fontRef>
-        </p:style>
-        <p:txBody>
-          <a:bodyPr rot="0" spcFirstLastPara="0" vertOverflow="overflow" horzOverflow="overflow" vert="horz" wrap="square" lIns="91440" tIns="45720" rIns="91440" bIns="45720" numCol="1" spcCol="0" rtlCol="0" fromWordArt="0" anchor="ctr" anchorCtr="0" forceAA="0" compatLnSpc="1">
-            <a:prstTxWarp prst="textNoShape">
-              <a:avLst/>
-            </a:prstTxWarp>
-            <a:noAutofit/>
-          </a:bodyPr>
-          <a:lstStyle/>
-          <a:p>
-            <a:pPr algn="ctr"/>
-            <a:endParaRPr lang="en-US" dirty="0"/>
-          </a:p>
-        </p:txBody>
-      </p:sp>
-      <p:sp>
-        <p:nvSpPr>
-          <p:cNvPr id="54" name="Right Arrow 53">
-            <a:extLst>
-              <a:ext uri="{FF2B5EF4-FFF2-40B4-BE49-F238E27FC236}">
-                <a16:creationId xmlns:a16="http://schemas.microsoft.com/office/drawing/2014/main" id="{588045D9-C7B8-4040-B077-9398A900F7B3}"/>
-              </a:ext>
-            </a:extLst>
-          </p:cNvPr>
-          <p:cNvSpPr/>
-          <p:nvPr/>
-        </p:nvSpPr>
-        <p:spPr>
-          <a:xfrm>
-            <a:off x="4567188" y="455515"/>
-            <a:ext cx="854292" cy="300559"/>
+          <a:xfrm rot="16200000">
+            <a:off x="3074965" y="4360463"/>
+            <a:ext cx="1371600" cy="457200"/>
           </a:xfrm>
           <a:prstGeom prst="rightArrow">
             <a:avLst/>
@@ -3667,65 +3498,6 @@
       </p:sp>
       <p:sp>
         <p:nvSpPr>
-          <p:cNvPr id="55" name="Right Arrow 54">
-            <a:extLst>
-              <a:ext uri="{FF2B5EF4-FFF2-40B4-BE49-F238E27FC236}">
-                <a16:creationId xmlns:a16="http://schemas.microsoft.com/office/drawing/2014/main" id="{3A8A8D11-9625-A24D-ADD7-4CCB40153563}"/>
-              </a:ext>
-            </a:extLst>
-          </p:cNvPr>
-          <p:cNvSpPr/>
-          <p:nvPr/>
-        </p:nvSpPr>
-        <p:spPr>
-          <a:xfrm rot="10800000">
-            <a:off x="4506112" y="839086"/>
-            <a:ext cx="901078" cy="263263"/>
-          </a:xfrm>
-          <a:prstGeom prst="rightArrow">
-            <a:avLst/>
-          </a:prstGeom>
-          <a:solidFill>
-            <a:srgbClr val="92D050"/>
-          </a:solidFill>
-          <a:ln>
-            <a:solidFill>
-              <a:srgbClr val="92D050"/>
-            </a:solidFill>
-          </a:ln>
-        </p:spPr>
-        <p:style>
-          <a:lnRef idx="2">
-            <a:schemeClr val="accent1">
-              <a:shade val="50000"/>
-            </a:schemeClr>
-          </a:lnRef>
-          <a:fillRef idx="1">
-            <a:schemeClr val="accent1"/>
-          </a:fillRef>
-          <a:effectRef idx="0">
-            <a:schemeClr val="accent1"/>
-          </a:effectRef>
-          <a:fontRef idx="minor">
-            <a:schemeClr val="lt1"/>
-          </a:fontRef>
-        </p:style>
-        <p:txBody>
-          <a:bodyPr rot="0" spcFirstLastPara="0" vertOverflow="overflow" horzOverflow="overflow" vert="horz" wrap="square" lIns="91440" tIns="45720" rIns="91440" bIns="45720" numCol="1" spcCol="0" rtlCol="0" fromWordArt="0" anchor="ctr" anchorCtr="0" forceAA="0" compatLnSpc="1">
-            <a:prstTxWarp prst="textNoShape">
-              <a:avLst/>
-            </a:prstTxWarp>
-            <a:noAutofit/>
-          </a:bodyPr>
-          <a:lstStyle/>
-          <a:p>
-            <a:pPr algn="ctr"/>
-            <a:endParaRPr lang="en-US"/>
-          </a:p>
-        </p:txBody>
-      </p:sp>
-      <p:sp>
-        <p:nvSpPr>
           <p:cNvPr id="56" name="Right Arrow 55">
             <a:extLst>
               <a:ext uri="{FF2B5EF4-FFF2-40B4-BE49-F238E27FC236}">
@@ -3738,7 +3510,7 @@
         </p:nvSpPr>
         <p:spPr>
           <a:xfrm>
-            <a:off x="4644041" y="2355269"/>
+            <a:off x="9473904" y="5623626"/>
             <a:ext cx="872092" cy="722643"/>
           </a:xfrm>
           <a:prstGeom prst="rightArrow">
@@ -3797,8 +3569,8 @@
         </p:nvSpPr>
         <p:spPr>
           <a:xfrm flipV="1">
-            <a:off x="1892334" y="511799"/>
-            <a:ext cx="599572" cy="610139"/>
+            <a:off x="4362088" y="5590267"/>
+            <a:ext cx="770009" cy="610139"/>
           </a:xfrm>
           <a:prstGeom prst="rightArrow">
             <a:avLst/>
@@ -3842,12 +3614,311 @@
           </a:p>
         </p:txBody>
       </p:sp>
-      <p:sp>
-        <p:nvSpPr>
-          <p:cNvPr id="62" name="Right Arrow 61">
+      <p:grpSp>
+        <p:nvGrpSpPr>
+          <p:cNvPr id="85" name="Group 84">
             <a:extLst>
               <a:ext uri="{FF2B5EF4-FFF2-40B4-BE49-F238E27FC236}">
-                <a16:creationId xmlns:a16="http://schemas.microsoft.com/office/drawing/2014/main" id="{F6320926-C249-A246-9DAE-09A36250CE56}"/>
+                <a16:creationId xmlns:a16="http://schemas.microsoft.com/office/drawing/2014/main" id="{E477BA76-EC5C-9244-8E01-D0BA4B45C01A}"/>
+              </a:ext>
+            </a:extLst>
+          </p:cNvPr>
+          <p:cNvGrpSpPr/>
+          <p:nvPr/>
+        </p:nvGrpSpPr>
+        <p:grpSpPr>
+          <a:xfrm>
+            <a:off x="5719614" y="338302"/>
+            <a:ext cx="3441578" cy="864110"/>
+            <a:chOff x="8091406" y="410674"/>
+            <a:chExt cx="1417508" cy="864110"/>
+          </a:xfrm>
+        </p:grpSpPr>
+        <p:sp>
+          <p:nvSpPr>
+            <p:cNvPr id="66" name="Oval 65">
+              <a:extLst>
+                <a:ext uri="{FF2B5EF4-FFF2-40B4-BE49-F238E27FC236}">
+                  <a16:creationId xmlns:a16="http://schemas.microsoft.com/office/drawing/2014/main" id="{B59677D3-0C7E-5144-B057-B25089F53DD6}"/>
+                </a:ext>
+              </a:extLst>
+            </p:cNvPr>
+            <p:cNvSpPr/>
+            <p:nvPr/>
+          </p:nvSpPr>
+          <p:spPr>
+            <a:xfrm>
+              <a:off x="8091406" y="410674"/>
+              <a:ext cx="1417508" cy="864110"/>
+            </a:xfrm>
+            <a:prstGeom prst="ellipse">
+              <a:avLst/>
+            </a:prstGeom>
+            <a:solidFill>
+              <a:schemeClr val="bg2">
+                <a:lumMod val="90000"/>
+              </a:schemeClr>
+            </a:solidFill>
+            <a:ln>
+              <a:noFill/>
+            </a:ln>
+          </p:spPr>
+          <p:style>
+            <a:lnRef idx="2">
+              <a:schemeClr val="accent1">
+                <a:shade val="50000"/>
+              </a:schemeClr>
+            </a:lnRef>
+            <a:fillRef idx="1">
+              <a:schemeClr val="accent1"/>
+            </a:fillRef>
+            <a:effectRef idx="0">
+              <a:schemeClr val="accent1"/>
+            </a:effectRef>
+            <a:fontRef idx="minor">
+              <a:schemeClr val="lt1"/>
+            </a:fontRef>
+          </p:style>
+          <p:txBody>
+            <a:bodyPr rot="0" spcFirstLastPara="0" vertOverflow="overflow" horzOverflow="overflow" vert="horz" wrap="square" lIns="91440" tIns="45720" rIns="91440" bIns="45720" numCol="1" spcCol="0" rtlCol="0" fromWordArt="0" anchor="ctr" anchorCtr="0" forceAA="0" compatLnSpc="1">
+              <a:prstTxWarp prst="textNoShape">
+                <a:avLst/>
+              </a:prstTxWarp>
+              <a:noAutofit/>
+            </a:bodyPr>
+            <a:lstStyle/>
+            <a:p>
+              <a:pPr algn="ctr"/>
+              <a:endParaRPr lang="en-US"/>
+            </a:p>
+          </p:txBody>
+        </p:sp>
+        <p:sp>
+          <p:nvSpPr>
+            <p:cNvPr id="33" name="TextBox 32">
+              <a:extLst>
+                <a:ext uri="{FF2B5EF4-FFF2-40B4-BE49-F238E27FC236}">
+                  <a16:creationId xmlns:a16="http://schemas.microsoft.com/office/drawing/2014/main" id="{B0EFD692-7320-3E43-8F22-C40F5EB6B271}"/>
+                </a:ext>
+              </a:extLst>
+            </p:cNvPr>
+            <p:cNvSpPr txBox="1"/>
+            <p:nvPr/>
+          </p:nvSpPr>
+          <p:spPr>
+            <a:xfrm>
+              <a:off x="8197403" y="571177"/>
+              <a:ext cx="1181129" cy="523220"/>
+            </a:xfrm>
+            <a:prstGeom prst="rect">
+              <a:avLst/>
+            </a:prstGeom>
+            <a:noFill/>
+          </p:spPr>
+          <p:txBody>
+            <a:bodyPr wrap="square" rtlCol="0">
+              <a:spAutoFit/>
+            </a:bodyPr>
+            <a:lstStyle/>
+            <a:p>
+              <a:pPr algn="ctr"/>
+              <a:r>
+                <a:rPr lang="en-US" sz="2800" b="1" dirty="0"/>
+                <a:t>A tree  topology</a:t>
+              </a:r>
+            </a:p>
+          </p:txBody>
+        </p:sp>
+      </p:grpSp>
+      <p:pic>
+        <p:nvPicPr>
+          <p:cNvPr id="48" name="Picture 47">
+            <a:extLst>
+              <a:ext uri="{FF2B5EF4-FFF2-40B4-BE49-F238E27FC236}">
+                <a16:creationId xmlns:a16="http://schemas.microsoft.com/office/drawing/2014/main" id="{CF4E9CCD-C891-944D-BC3A-554AFF732679}"/>
+              </a:ext>
+            </a:extLst>
+          </p:cNvPr>
+          <p:cNvPicPr>
+            <a:picLocks noChangeAspect="1"/>
+          </p:cNvPicPr>
+          <p:nvPr/>
+        </p:nvPicPr>
+        <p:blipFill>
+          <a:blip r:embed="rId5"/>
+          <a:stretch>
+            <a:fillRect/>
+          </a:stretch>
+        </p:blipFill>
+        <p:spPr>
+          <a:xfrm>
+            <a:off x="2229808" y="2611504"/>
+            <a:ext cx="2173606" cy="1142659"/>
+          </a:xfrm>
+          <a:prstGeom prst="rect">
+            <a:avLst/>
+          </a:prstGeom>
+        </p:spPr>
+      </p:pic>
+      <p:grpSp>
+        <p:nvGrpSpPr>
+          <p:cNvPr id="88" name="Group 87">
+            <a:extLst>
+              <a:ext uri="{FF2B5EF4-FFF2-40B4-BE49-F238E27FC236}">
+                <a16:creationId xmlns:a16="http://schemas.microsoft.com/office/drawing/2014/main" id="{1655DAAD-A8AD-B649-8248-5475AB07A996}"/>
+              </a:ext>
+            </a:extLst>
+          </p:cNvPr>
+          <p:cNvGrpSpPr/>
+          <p:nvPr/>
+        </p:nvGrpSpPr>
+        <p:grpSpPr>
+          <a:xfrm>
+            <a:off x="10649917" y="5587445"/>
+            <a:ext cx="4466125" cy="794998"/>
+            <a:chOff x="5491689" y="2041122"/>
+            <a:chExt cx="4466125" cy="794998"/>
+          </a:xfrm>
+        </p:grpSpPr>
+        <p:sp>
+          <p:nvSpPr>
+            <p:cNvPr id="87" name="Rounded Rectangle 86">
+              <a:extLst>
+                <a:ext uri="{FF2B5EF4-FFF2-40B4-BE49-F238E27FC236}">
+                  <a16:creationId xmlns:a16="http://schemas.microsoft.com/office/drawing/2014/main" id="{D438B834-A981-B84F-971E-5689DDDECE28}"/>
+                </a:ext>
+              </a:extLst>
+            </p:cNvPr>
+            <p:cNvSpPr/>
+            <p:nvPr/>
+          </p:nvSpPr>
+          <p:spPr>
+            <a:xfrm>
+              <a:off x="5491689" y="2041122"/>
+              <a:ext cx="4466125" cy="794998"/>
+            </a:xfrm>
+            <a:prstGeom prst="roundRect">
+              <a:avLst/>
+            </a:prstGeom>
+            <a:solidFill>
+              <a:schemeClr val="bg2">
+                <a:lumMod val="90000"/>
+              </a:schemeClr>
+            </a:solidFill>
+            <a:ln>
+              <a:noFill/>
+            </a:ln>
+          </p:spPr>
+          <p:style>
+            <a:lnRef idx="2">
+              <a:schemeClr val="accent1">
+                <a:shade val="50000"/>
+              </a:schemeClr>
+            </a:lnRef>
+            <a:fillRef idx="1">
+              <a:schemeClr val="accent1"/>
+            </a:fillRef>
+            <a:effectRef idx="0">
+              <a:schemeClr val="accent1"/>
+            </a:effectRef>
+            <a:fontRef idx="minor">
+              <a:schemeClr val="lt1"/>
+            </a:fontRef>
+          </p:style>
+          <p:txBody>
+            <a:bodyPr rot="0" spcFirstLastPara="0" vertOverflow="overflow" horzOverflow="overflow" vert="horz" wrap="square" lIns="91440" tIns="45720" rIns="91440" bIns="45720" numCol="1" spcCol="0" rtlCol="0" fromWordArt="0" anchor="ctr" anchorCtr="0" forceAA="0" compatLnSpc="1">
+              <a:prstTxWarp prst="textNoShape">
+                <a:avLst/>
+              </a:prstTxWarp>
+              <a:noAutofit/>
+            </a:bodyPr>
+            <a:lstStyle/>
+            <a:p>
+              <a:pPr algn="ctr"/>
+              <a:endParaRPr lang="en-US"/>
+            </a:p>
+          </p:txBody>
+        </p:sp>
+        <p:sp>
+          <p:nvSpPr>
+            <p:cNvPr id="86" name="TextBox 85">
+              <a:extLst>
+                <a:ext uri="{FF2B5EF4-FFF2-40B4-BE49-F238E27FC236}">
+                  <a16:creationId xmlns:a16="http://schemas.microsoft.com/office/drawing/2014/main" id="{34D3BC7D-A9DA-084E-A193-564B8DF11611}"/>
+                </a:ext>
+              </a:extLst>
+            </p:cNvPr>
+            <p:cNvSpPr txBox="1"/>
+            <p:nvPr/>
+          </p:nvSpPr>
+          <p:spPr>
+            <a:xfrm>
+              <a:off x="5761272" y="2152355"/>
+              <a:ext cx="4127540" cy="646331"/>
+            </a:xfrm>
+            <a:prstGeom prst="rect">
+              <a:avLst/>
+            </a:prstGeom>
+            <a:noFill/>
+          </p:spPr>
+          <p:txBody>
+            <a:bodyPr wrap="none" rtlCol="0">
+              <a:spAutoFit/>
+            </a:bodyPr>
+            <a:lstStyle/>
+            <a:p>
+              <a:pPr algn="ctr"/>
+              <a:r>
+                <a:rPr lang="en-US" dirty="0"/>
+                <a:t>Map source chronogram ages unto nodes </a:t>
+              </a:r>
+            </a:p>
+            <a:p>
+              <a:pPr algn="ctr"/>
+              <a:r>
+                <a:rPr lang="en-US" dirty="0"/>
+                <a:t>on a tree topology</a:t>
+              </a:r>
+            </a:p>
+          </p:txBody>
+        </p:sp>
+      </p:grpSp>
+      <p:pic>
+        <p:nvPicPr>
+          <p:cNvPr id="9" name="Picture 8">
+            <a:extLst>
+              <a:ext uri="{FF2B5EF4-FFF2-40B4-BE49-F238E27FC236}">
+                <a16:creationId xmlns:a16="http://schemas.microsoft.com/office/drawing/2014/main" id="{8AAE1BBB-7378-124F-9B85-2CD136B5556C}"/>
+              </a:ext>
+            </a:extLst>
+          </p:cNvPr>
+          <p:cNvPicPr>
+            <a:picLocks noChangeAspect="1"/>
+          </p:cNvPicPr>
+          <p:nvPr/>
+        </p:nvPicPr>
+        <p:blipFill>
+          <a:blip r:embed="rId6"/>
+          <a:stretch>
+            <a:fillRect/>
+          </a:stretch>
+        </p:blipFill>
+        <p:spPr>
+          <a:xfrm>
+            <a:off x="14633464" y="-1615440"/>
+            <a:ext cx="7804543" cy="7804543"/>
+          </a:xfrm>
+          <a:prstGeom prst="rect">
+            <a:avLst/>
+          </a:prstGeom>
+        </p:spPr>
+      </p:pic>
+      <p:sp>
+        <p:nvSpPr>
+          <p:cNvPr id="45" name="Right Arrow 44">
+            <a:extLst>
+              <a:ext uri="{FF2B5EF4-FFF2-40B4-BE49-F238E27FC236}">
+                <a16:creationId xmlns:a16="http://schemas.microsoft.com/office/drawing/2014/main" id="{50250688-5863-D04B-985C-563A7B95EA67}"/>
               </a:ext>
             </a:extLst>
           </p:cNvPr>
@@ -3855,9 +3926,9 @@
           <p:nvPr/>
         </p:nvSpPr>
         <p:spPr>
-          <a:xfrm rot="5400000">
-            <a:off x="3074477" y="1266090"/>
-            <a:ext cx="599572" cy="517028"/>
+          <a:xfrm>
+            <a:off x="15279555" y="5623626"/>
+            <a:ext cx="872092" cy="722643"/>
           </a:xfrm>
           <a:prstGeom prst="rightArrow">
             <a:avLst/>
@@ -3903,53 +3974,10 @@
       </p:sp>
       <p:sp>
         <p:nvSpPr>
-          <p:cNvPr id="69" name="TextBox 68">
+          <p:cNvPr id="46" name="Right Arrow 45">
             <a:extLst>
               <a:ext uri="{FF2B5EF4-FFF2-40B4-BE49-F238E27FC236}">
-                <a16:creationId xmlns:a16="http://schemas.microsoft.com/office/drawing/2014/main" id="{89E8E659-EE61-1042-8A4B-A68D4A0CD9B3}"/>
-              </a:ext>
-            </a:extLst>
-          </p:cNvPr>
-          <p:cNvSpPr txBox="1"/>
-          <p:nvPr/>
-        </p:nvSpPr>
-        <p:spPr>
-          <a:xfrm>
-            <a:off x="537799" y="2329959"/>
-            <a:ext cx="1415323" cy="646331"/>
-          </a:xfrm>
-          <a:prstGeom prst="rect">
-            <a:avLst/>
-          </a:prstGeom>
-          <a:noFill/>
-        </p:spPr>
-        <p:txBody>
-          <a:bodyPr wrap="none" rtlCol="0">
-            <a:spAutoFit/>
-          </a:bodyPr>
-          <a:lstStyle/>
-          <a:p>
-            <a:pPr algn="ctr"/>
-            <a:r>
-              <a:rPr lang="en-US" dirty="0"/>
-              <a:t>Source </a:t>
-            </a:r>
-          </a:p>
-          <a:p>
-            <a:pPr algn="ctr"/>
-            <a:r>
-              <a:rPr lang="en-US" dirty="0"/>
-              <a:t>chronograms</a:t>
-            </a:r>
-          </a:p>
-        </p:txBody>
-      </p:sp>
-      <p:sp>
-        <p:nvSpPr>
-          <p:cNvPr id="66" name="Oval 65">
-            <a:extLst>
-              <a:ext uri="{FF2B5EF4-FFF2-40B4-BE49-F238E27FC236}">
-                <a16:creationId xmlns:a16="http://schemas.microsoft.com/office/drawing/2014/main" id="{B59677D3-0C7E-5144-B057-B25089F53DD6}"/>
+                <a16:creationId xmlns:a16="http://schemas.microsoft.com/office/drawing/2014/main" id="{EE28F46B-133E-924D-8229-16954E9F0483}"/>
               </a:ext>
             </a:extLst>
           </p:cNvPr>
@@ -3958,140 +3986,8 @@
         </p:nvSpPr>
         <p:spPr>
           <a:xfrm>
-            <a:off x="8233300" y="442206"/>
-            <a:ext cx="1417508" cy="864110"/>
-          </a:xfrm>
-          <a:prstGeom prst="ellipse">
-            <a:avLst/>
-          </a:prstGeom>
-          <a:solidFill>
-            <a:schemeClr val="bg2">
-              <a:lumMod val="90000"/>
-            </a:schemeClr>
-          </a:solidFill>
-          <a:ln>
-            <a:noFill/>
-          </a:ln>
-        </p:spPr>
-        <p:style>
-          <a:lnRef idx="2">
-            <a:schemeClr val="accent1">
-              <a:shade val="50000"/>
-            </a:schemeClr>
-          </a:lnRef>
-          <a:fillRef idx="1">
-            <a:schemeClr val="accent1"/>
-          </a:fillRef>
-          <a:effectRef idx="0">
-            <a:schemeClr val="accent1"/>
-          </a:effectRef>
-          <a:fontRef idx="minor">
-            <a:schemeClr val="lt1"/>
-          </a:fontRef>
-        </p:style>
-        <p:txBody>
-          <a:bodyPr rot="0" spcFirstLastPara="0" vertOverflow="overflow" horzOverflow="overflow" vert="horz" wrap="square" lIns="91440" tIns="45720" rIns="91440" bIns="45720" numCol="1" spcCol="0" rtlCol="0" fromWordArt="0" anchor="ctr" anchorCtr="0" forceAA="0" compatLnSpc="1">
-            <a:prstTxWarp prst="textNoShape">
-              <a:avLst/>
-            </a:prstTxWarp>
-            <a:noAutofit/>
-          </a:bodyPr>
-          <a:lstStyle/>
-          <a:p>
-            <a:pPr algn="ctr"/>
-            <a:endParaRPr lang="en-US"/>
-          </a:p>
-        </p:txBody>
-      </p:sp>
-      <p:sp>
-        <p:nvSpPr>
-          <p:cNvPr id="33" name="TextBox 32">
-            <a:extLst>
-              <a:ext uri="{FF2B5EF4-FFF2-40B4-BE49-F238E27FC236}">
-                <a16:creationId xmlns:a16="http://schemas.microsoft.com/office/drawing/2014/main" id="{B0EFD692-7320-3E43-8F22-C40F5EB6B271}"/>
-              </a:ext>
-            </a:extLst>
-          </p:cNvPr>
-          <p:cNvSpPr txBox="1"/>
-          <p:nvPr/>
-        </p:nvSpPr>
-        <p:spPr>
-          <a:xfrm>
-            <a:off x="8435665" y="511799"/>
-            <a:ext cx="1012777" cy="646331"/>
-          </a:xfrm>
-          <a:prstGeom prst="rect">
-            <a:avLst/>
-          </a:prstGeom>
-          <a:noFill/>
-        </p:spPr>
-        <p:txBody>
-          <a:bodyPr wrap="none" rtlCol="0">
-            <a:spAutoFit/>
-          </a:bodyPr>
-          <a:lstStyle/>
-          <a:p>
-            <a:pPr algn="ctr"/>
-            <a:r>
-              <a:rPr lang="en-US" dirty="0"/>
-              <a:t>A tree </a:t>
-            </a:r>
-          </a:p>
-          <a:p>
-            <a:pPr algn="ctr"/>
-            <a:r>
-              <a:rPr lang="en-US" dirty="0"/>
-              <a:t>topology</a:t>
-            </a:r>
-          </a:p>
-        </p:txBody>
-      </p:sp>
-      <p:pic>
-        <p:nvPicPr>
-          <p:cNvPr id="48" name="Picture 47">
-            <a:extLst>
-              <a:ext uri="{FF2B5EF4-FFF2-40B4-BE49-F238E27FC236}">
-                <a16:creationId xmlns:a16="http://schemas.microsoft.com/office/drawing/2014/main" id="{CF4E9CCD-C891-944D-BC3A-554AFF732679}"/>
-              </a:ext>
-            </a:extLst>
-          </p:cNvPr>
-          <p:cNvPicPr>
-            <a:picLocks noChangeAspect="1"/>
-          </p:cNvPicPr>
-          <p:nvPr/>
-        </p:nvPicPr>
-        <p:blipFill>
-          <a:blip r:embed="rId5"/>
-          <a:stretch>
-            <a:fillRect/>
-          </a:stretch>
-        </p:blipFill>
-        <p:spPr>
-          <a:xfrm>
-            <a:off x="5729562" y="363377"/>
-            <a:ext cx="1571800" cy="826291"/>
-          </a:xfrm>
-          <a:prstGeom prst="rect">
-            <a:avLst/>
-          </a:prstGeom>
-        </p:spPr>
-      </p:pic>
-      <p:sp>
-        <p:nvSpPr>
-          <p:cNvPr id="65" name="Right Arrow 64">
-            <a:extLst>
-              <a:ext uri="{FF2B5EF4-FFF2-40B4-BE49-F238E27FC236}">
-                <a16:creationId xmlns:a16="http://schemas.microsoft.com/office/drawing/2014/main" id="{F19441C2-9C63-894A-AEB1-2CDD5FACB99A}"/>
-              </a:ext>
-            </a:extLst>
-          </p:cNvPr>
-          <p:cNvSpPr/>
-          <p:nvPr/>
-        </p:nvSpPr>
-        <p:spPr>
-          <a:xfrm rot="5400000">
-            <a:off x="8726227" y="1477511"/>
-            <a:ext cx="431650" cy="318645"/>
+            <a:off x="21106740" y="5623626"/>
+            <a:ext cx="872092" cy="722643"/>
           </a:xfrm>
           <a:prstGeom prst="rightArrow">
             <a:avLst/>
@@ -4135,12 +4031,684 @@
           </a:p>
         </p:txBody>
       </p:sp>
-      <p:sp>
-        <p:nvSpPr>
-          <p:cNvPr id="74" name="Right Arrow 73">
+      <p:grpSp>
+        <p:nvGrpSpPr>
+          <p:cNvPr id="47" name="Group 46">
             <a:extLst>
               <a:ext uri="{FF2B5EF4-FFF2-40B4-BE49-F238E27FC236}">
-                <a16:creationId xmlns:a16="http://schemas.microsoft.com/office/drawing/2014/main" id="{615C99C9-0150-3643-9AE6-DB5AB0050AB5}"/>
+                <a16:creationId xmlns:a16="http://schemas.microsoft.com/office/drawing/2014/main" id="{6684F230-95A0-E146-BCA2-FE9FD1E512D9}"/>
+              </a:ext>
+            </a:extLst>
+          </p:cNvPr>
+          <p:cNvGrpSpPr/>
+          <p:nvPr/>
+        </p:nvGrpSpPr>
+        <p:grpSpPr>
+          <a:xfrm>
+            <a:off x="16407344" y="5587445"/>
+            <a:ext cx="4466125" cy="794998"/>
+            <a:chOff x="5491689" y="2041122"/>
+            <a:chExt cx="4466125" cy="794998"/>
+          </a:xfrm>
+        </p:grpSpPr>
+        <p:sp>
+          <p:nvSpPr>
+            <p:cNvPr id="50" name="Rounded Rectangle 49">
+              <a:extLst>
+                <a:ext uri="{FF2B5EF4-FFF2-40B4-BE49-F238E27FC236}">
+                  <a16:creationId xmlns:a16="http://schemas.microsoft.com/office/drawing/2014/main" id="{375EA8E1-68BD-AD4C-A75E-DE8EDEE0F56A}"/>
+                </a:ext>
+              </a:extLst>
+            </p:cNvPr>
+            <p:cNvSpPr/>
+            <p:nvPr/>
+          </p:nvSpPr>
+          <p:spPr>
+            <a:xfrm>
+              <a:off x="5491689" y="2041122"/>
+              <a:ext cx="4466125" cy="794998"/>
+            </a:xfrm>
+            <a:prstGeom prst="roundRect">
+              <a:avLst/>
+            </a:prstGeom>
+            <a:solidFill>
+              <a:schemeClr val="bg2">
+                <a:lumMod val="90000"/>
+              </a:schemeClr>
+            </a:solidFill>
+            <a:ln>
+              <a:noFill/>
+            </a:ln>
+          </p:spPr>
+          <p:style>
+            <a:lnRef idx="2">
+              <a:schemeClr val="accent1">
+                <a:shade val="50000"/>
+              </a:schemeClr>
+            </a:lnRef>
+            <a:fillRef idx="1">
+              <a:schemeClr val="accent1"/>
+            </a:fillRef>
+            <a:effectRef idx="0">
+              <a:schemeClr val="accent1"/>
+            </a:effectRef>
+            <a:fontRef idx="minor">
+              <a:schemeClr val="lt1"/>
+            </a:fontRef>
+          </p:style>
+          <p:txBody>
+            <a:bodyPr rot="0" spcFirstLastPara="0" vertOverflow="overflow" horzOverflow="overflow" vert="horz" wrap="square" lIns="91440" tIns="45720" rIns="91440" bIns="45720" numCol="1" spcCol="0" rtlCol="0" fromWordArt="0" anchor="ctr" anchorCtr="0" forceAA="0" compatLnSpc="1">
+              <a:prstTxWarp prst="textNoShape">
+                <a:avLst/>
+              </a:prstTxWarp>
+              <a:noAutofit/>
+            </a:bodyPr>
+            <a:lstStyle/>
+            <a:p>
+              <a:pPr algn="ctr"/>
+              <a:endParaRPr lang="en-US"/>
+            </a:p>
+          </p:txBody>
+        </p:sp>
+        <p:sp>
+          <p:nvSpPr>
+            <p:cNvPr id="51" name="TextBox 50">
+              <a:extLst>
+                <a:ext uri="{FF2B5EF4-FFF2-40B4-BE49-F238E27FC236}">
+                  <a16:creationId xmlns:a16="http://schemas.microsoft.com/office/drawing/2014/main" id="{7D59CAE3-2233-FF44-B4A8-07E326DE68DC}"/>
+                </a:ext>
+              </a:extLst>
+            </p:cNvPr>
+            <p:cNvSpPr txBox="1"/>
+            <p:nvPr/>
+          </p:nvSpPr>
+          <p:spPr>
+            <a:xfrm>
+              <a:off x="5761272" y="2253955"/>
+              <a:ext cx="4087466" cy="369332"/>
+            </a:xfrm>
+            <a:prstGeom prst="rect">
+              <a:avLst/>
+            </a:prstGeom>
+            <a:noFill/>
+          </p:spPr>
+          <p:txBody>
+            <a:bodyPr wrap="none" rtlCol="0">
+              <a:spAutoFit/>
+            </a:bodyPr>
+            <a:lstStyle/>
+            <a:p>
+              <a:r>
+                <a:rPr lang="en-US" dirty="0"/>
+                <a:t>Calculate median pairwise ages per node</a:t>
+              </a:r>
+            </a:p>
+          </p:txBody>
+        </p:sp>
+      </p:grpSp>
+      <p:grpSp>
+        <p:nvGrpSpPr>
+          <p:cNvPr id="52" name="Group 51">
+            <a:extLst>
+              <a:ext uri="{FF2B5EF4-FFF2-40B4-BE49-F238E27FC236}">
+                <a16:creationId xmlns:a16="http://schemas.microsoft.com/office/drawing/2014/main" id="{4857A793-0553-5E45-B949-A9E735BE1999}"/>
+              </a:ext>
+            </a:extLst>
+          </p:cNvPr>
+          <p:cNvGrpSpPr/>
+          <p:nvPr/>
+        </p:nvGrpSpPr>
+        <p:grpSpPr>
+          <a:xfrm>
+            <a:off x="22107807" y="5587445"/>
+            <a:ext cx="5293715" cy="794998"/>
+            <a:chOff x="5491689" y="2041122"/>
+            <a:chExt cx="5293715" cy="794998"/>
+          </a:xfrm>
+        </p:grpSpPr>
+        <p:sp>
+          <p:nvSpPr>
+            <p:cNvPr id="53" name="Rounded Rectangle 52">
+              <a:extLst>
+                <a:ext uri="{FF2B5EF4-FFF2-40B4-BE49-F238E27FC236}">
+                  <a16:creationId xmlns:a16="http://schemas.microsoft.com/office/drawing/2014/main" id="{FCD1970C-58B3-C845-B66D-AB3934FE3A81}"/>
+                </a:ext>
+              </a:extLst>
+            </p:cNvPr>
+            <p:cNvSpPr/>
+            <p:nvPr/>
+          </p:nvSpPr>
+          <p:spPr>
+            <a:xfrm>
+              <a:off x="5491689" y="2041122"/>
+              <a:ext cx="5293715" cy="794998"/>
+            </a:xfrm>
+            <a:prstGeom prst="roundRect">
+              <a:avLst/>
+            </a:prstGeom>
+            <a:solidFill>
+              <a:schemeClr val="bg2">
+                <a:lumMod val="90000"/>
+              </a:schemeClr>
+            </a:solidFill>
+            <a:ln>
+              <a:noFill/>
+            </a:ln>
+          </p:spPr>
+          <p:style>
+            <a:lnRef idx="2">
+              <a:schemeClr val="accent1">
+                <a:shade val="50000"/>
+              </a:schemeClr>
+            </a:lnRef>
+            <a:fillRef idx="1">
+              <a:schemeClr val="accent1"/>
+            </a:fillRef>
+            <a:effectRef idx="0">
+              <a:schemeClr val="accent1"/>
+            </a:effectRef>
+            <a:fontRef idx="minor">
+              <a:schemeClr val="lt1"/>
+            </a:fontRef>
+          </p:style>
+          <p:txBody>
+            <a:bodyPr rot="0" spcFirstLastPara="0" vertOverflow="overflow" horzOverflow="overflow" vert="horz" wrap="square" lIns="91440" tIns="45720" rIns="91440" bIns="45720" numCol="1" spcCol="0" rtlCol="0" fromWordArt="0" anchor="ctr" anchorCtr="0" forceAA="0" compatLnSpc="1">
+              <a:prstTxWarp prst="textNoShape">
+                <a:avLst/>
+              </a:prstTxWarp>
+              <a:noAutofit/>
+            </a:bodyPr>
+            <a:lstStyle/>
+            <a:p>
+              <a:pPr algn="ctr"/>
+              <a:endParaRPr lang="en-US"/>
+            </a:p>
+          </p:txBody>
+        </p:sp>
+        <p:sp>
+          <p:nvSpPr>
+            <p:cNvPr id="57" name="TextBox 56">
+              <a:extLst>
+                <a:ext uri="{FF2B5EF4-FFF2-40B4-BE49-F238E27FC236}">
+                  <a16:creationId xmlns:a16="http://schemas.microsoft.com/office/drawing/2014/main" id="{085C1F15-2F74-3048-A431-44C8257ED14F}"/>
+                </a:ext>
+              </a:extLst>
+            </p:cNvPr>
+            <p:cNvSpPr txBox="1"/>
+            <p:nvPr/>
+          </p:nvSpPr>
+          <p:spPr>
+            <a:xfrm>
+              <a:off x="5761272" y="2253955"/>
+              <a:ext cx="5024132" cy="369332"/>
+            </a:xfrm>
+            <a:prstGeom prst="rect">
+              <a:avLst/>
+            </a:prstGeom>
+            <a:noFill/>
+          </p:spPr>
+          <p:txBody>
+            <a:bodyPr wrap="none" rtlCol="0">
+              <a:spAutoFit/>
+            </a:bodyPr>
+            <a:lstStyle/>
+            <a:p>
+              <a:r>
+                <a:rPr lang="en-US" dirty="0"/>
+                <a:t>Use median pairwise ages to date the tree topology</a:t>
+              </a:r>
+            </a:p>
+          </p:txBody>
+        </p:sp>
+      </p:grpSp>
+      <p:grpSp>
+        <p:nvGrpSpPr>
+          <p:cNvPr id="38" name="Group 37">
+            <a:extLst>
+              <a:ext uri="{FF2B5EF4-FFF2-40B4-BE49-F238E27FC236}">
+                <a16:creationId xmlns:a16="http://schemas.microsoft.com/office/drawing/2014/main" id="{021664E1-387F-D743-8AF8-7C254D0B1243}"/>
+              </a:ext>
+            </a:extLst>
+          </p:cNvPr>
+          <p:cNvGrpSpPr/>
+          <p:nvPr/>
+        </p:nvGrpSpPr>
+        <p:grpSpPr>
+          <a:xfrm>
+            <a:off x="5251636" y="2314630"/>
+            <a:ext cx="4300968" cy="3185927"/>
+            <a:chOff x="5588400" y="1917454"/>
+            <a:chExt cx="4300968" cy="3185927"/>
+          </a:xfrm>
+        </p:grpSpPr>
+        <p:sp>
+          <p:nvSpPr>
+            <p:cNvPr id="72" name="Rounded Rectangle 71">
+              <a:extLst>
+                <a:ext uri="{FF2B5EF4-FFF2-40B4-BE49-F238E27FC236}">
+                  <a16:creationId xmlns:a16="http://schemas.microsoft.com/office/drawing/2014/main" id="{4E90CA2C-B4F1-DA48-8794-60FE301DA923}"/>
+                </a:ext>
+              </a:extLst>
+            </p:cNvPr>
+            <p:cNvSpPr/>
+            <p:nvPr/>
+          </p:nvSpPr>
+          <p:spPr>
+            <a:xfrm>
+              <a:off x="7760684" y="1917454"/>
+              <a:ext cx="2128684" cy="1442486"/>
+            </a:xfrm>
+            <a:prstGeom prst="roundRect">
+              <a:avLst/>
+            </a:prstGeom>
+            <a:solidFill>
+              <a:srgbClr val="D0CECD"/>
+            </a:solidFill>
+            <a:ln>
+              <a:noFill/>
+            </a:ln>
+          </p:spPr>
+          <p:style>
+            <a:lnRef idx="2">
+              <a:schemeClr val="accent1">
+                <a:shade val="50000"/>
+              </a:schemeClr>
+            </a:lnRef>
+            <a:fillRef idx="1">
+              <a:schemeClr val="accent1"/>
+            </a:fillRef>
+            <a:effectRef idx="0">
+              <a:schemeClr val="accent1"/>
+            </a:effectRef>
+            <a:fontRef idx="minor">
+              <a:schemeClr val="lt1"/>
+            </a:fontRef>
+          </p:style>
+          <p:txBody>
+            <a:bodyPr rot="0" spcFirstLastPara="0" vertOverflow="overflow" horzOverflow="overflow" vert="horz" wrap="square" lIns="91440" tIns="45720" rIns="91440" bIns="45720" numCol="1" spcCol="0" rtlCol="0" fromWordArt="0" anchor="ctr" anchorCtr="0" forceAA="0" compatLnSpc="1">
+              <a:prstTxWarp prst="textNoShape">
+                <a:avLst/>
+              </a:prstTxWarp>
+              <a:noAutofit/>
+            </a:bodyPr>
+            <a:lstStyle/>
+            <a:p>
+              <a:pPr algn="ctr"/>
+              <a:endParaRPr lang="en-US" dirty="0"/>
+            </a:p>
+          </p:txBody>
+        </p:sp>
+        <p:sp>
+          <p:nvSpPr>
+            <p:cNvPr id="69" name="TextBox 68">
+              <a:extLst>
+                <a:ext uri="{FF2B5EF4-FFF2-40B4-BE49-F238E27FC236}">
+                  <a16:creationId xmlns:a16="http://schemas.microsoft.com/office/drawing/2014/main" id="{89E8E659-EE61-1042-8A4B-A68D4A0CD9B3}"/>
+                </a:ext>
+              </a:extLst>
+            </p:cNvPr>
+            <p:cNvSpPr txBox="1"/>
+            <p:nvPr/>
+          </p:nvSpPr>
+          <p:spPr>
+            <a:xfrm>
+              <a:off x="8048186" y="2273989"/>
+              <a:ext cx="1576907" cy="707886"/>
+            </a:xfrm>
+            <a:prstGeom prst="rect">
+              <a:avLst/>
+            </a:prstGeom>
+            <a:noFill/>
+          </p:spPr>
+          <p:txBody>
+            <a:bodyPr wrap="none" rtlCol="0">
+              <a:spAutoFit/>
+            </a:bodyPr>
+            <a:lstStyle/>
+            <a:p>
+              <a:pPr algn="ctr"/>
+              <a:r>
+                <a:rPr lang="en-US" sz="2000" b="1" dirty="0"/>
+                <a:t>Source </a:t>
+              </a:r>
+            </a:p>
+            <a:p>
+              <a:pPr algn="ctr"/>
+              <a:r>
+                <a:rPr lang="en-US" sz="2000" b="1" dirty="0"/>
+                <a:t>chronograms</a:t>
+              </a:r>
+            </a:p>
+          </p:txBody>
+        </p:sp>
+        <p:grpSp>
+          <p:nvGrpSpPr>
+            <p:cNvPr id="29" name="Group 28">
+              <a:extLst>
+                <a:ext uri="{FF2B5EF4-FFF2-40B4-BE49-F238E27FC236}">
+                  <a16:creationId xmlns:a16="http://schemas.microsoft.com/office/drawing/2014/main" id="{A7A3F838-3B8A-3548-BD80-4D73338531C7}"/>
+                </a:ext>
+              </a:extLst>
+            </p:cNvPr>
+            <p:cNvGrpSpPr/>
+            <p:nvPr/>
+          </p:nvGrpSpPr>
+          <p:grpSpPr>
+            <a:xfrm>
+              <a:off x="5596604" y="1945302"/>
+              <a:ext cx="2128684" cy="1445118"/>
+              <a:chOff x="401471" y="2656502"/>
+              <a:chExt cx="2128684" cy="1445118"/>
+            </a:xfrm>
+          </p:grpSpPr>
+          <p:sp>
+            <p:nvSpPr>
+              <p:cNvPr id="34" name="Rounded Rectangle 33">
+                <a:extLst>
+                  <a:ext uri="{FF2B5EF4-FFF2-40B4-BE49-F238E27FC236}">
+                    <a16:creationId xmlns:a16="http://schemas.microsoft.com/office/drawing/2014/main" id="{33D05290-8A40-FE40-B299-1F189A78A030}"/>
+                  </a:ext>
+                </a:extLst>
+              </p:cNvPr>
+              <p:cNvSpPr/>
+              <p:nvPr/>
+            </p:nvSpPr>
+            <p:spPr>
+              <a:xfrm>
+                <a:off x="401471" y="2659134"/>
+                <a:ext cx="2128684" cy="1442486"/>
+              </a:xfrm>
+              <a:prstGeom prst="roundRect">
+                <a:avLst/>
+              </a:prstGeom>
+              <a:solidFill>
+                <a:srgbClr val="D23004">
+                  <a:alpha val="69804"/>
+                </a:srgbClr>
+              </a:solidFill>
+            </p:spPr>
+            <p:style>
+              <a:lnRef idx="2">
+                <a:schemeClr val="accent1">
+                  <a:shade val="50000"/>
+                </a:schemeClr>
+              </a:lnRef>
+              <a:fillRef idx="1">
+                <a:schemeClr val="accent1"/>
+              </a:fillRef>
+              <a:effectRef idx="0">
+                <a:schemeClr val="accent1"/>
+              </a:effectRef>
+              <a:fontRef idx="minor">
+                <a:schemeClr val="lt1"/>
+              </a:fontRef>
+            </p:style>
+            <p:txBody>
+              <a:bodyPr rot="0" spcFirstLastPara="0" vertOverflow="overflow" horzOverflow="overflow" vert="horz" wrap="square" lIns="91440" tIns="45720" rIns="91440" bIns="45720" numCol="1" spcCol="0" rtlCol="0" fromWordArt="0" anchor="ctr" anchorCtr="0" forceAA="0" compatLnSpc="1">
+                <a:prstTxWarp prst="textNoShape">
+                  <a:avLst/>
+                </a:prstTxWarp>
+                <a:noAutofit/>
+              </a:bodyPr>
+              <a:lstStyle/>
+              <a:p>
+                <a:pPr algn="ctr"/>
+                <a:endParaRPr lang="en-US" dirty="0"/>
+              </a:p>
+            </p:txBody>
+          </p:sp>
+          <p:pic>
+            <p:nvPicPr>
+              <p:cNvPr id="15" name="Picture 14">
+                <a:extLst>
+                  <a:ext uri="{FF2B5EF4-FFF2-40B4-BE49-F238E27FC236}">
+                    <a16:creationId xmlns:a16="http://schemas.microsoft.com/office/drawing/2014/main" id="{1A04707B-5657-884A-960A-81B2DD256A75}"/>
+                  </a:ext>
+                </a:extLst>
+              </p:cNvPr>
+              <p:cNvPicPr>
+                <a:picLocks noChangeAspect="1"/>
+              </p:cNvPicPr>
+              <p:nvPr/>
+            </p:nvPicPr>
+            <p:blipFill>
+              <a:blip r:embed="rId7"/>
+              <a:stretch>
+                <a:fillRect/>
+              </a:stretch>
+            </p:blipFill>
+            <p:spPr>
+              <a:xfrm>
+                <a:off x="449471" y="2656502"/>
+                <a:ext cx="2057400" cy="1428750"/>
+              </a:xfrm>
+              <a:prstGeom prst="rect">
+                <a:avLst/>
+              </a:prstGeom>
+            </p:spPr>
+          </p:pic>
+        </p:grpSp>
+        <p:grpSp>
+          <p:nvGrpSpPr>
+            <p:cNvPr id="27" name="Group 26">
+              <a:extLst>
+                <a:ext uri="{FF2B5EF4-FFF2-40B4-BE49-F238E27FC236}">
+                  <a16:creationId xmlns:a16="http://schemas.microsoft.com/office/drawing/2014/main" id="{229E6B18-7FEE-7444-AD9E-234279E4811F}"/>
+                </a:ext>
+              </a:extLst>
+            </p:cNvPr>
+            <p:cNvGrpSpPr/>
+            <p:nvPr/>
+          </p:nvGrpSpPr>
+          <p:grpSpPr>
+            <a:xfrm>
+              <a:off x="7733491" y="3374052"/>
+              <a:ext cx="2128684" cy="1689674"/>
+              <a:chOff x="349831" y="5774256"/>
+              <a:chExt cx="2128684" cy="1689674"/>
+            </a:xfrm>
+          </p:grpSpPr>
+          <p:sp>
+            <p:nvSpPr>
+              <p:cNvPr id="35" name="Rounded Rectangle 34">
+                <a:extLst>
+                  <a:ext uri="{FF2B5EF4-FFF2-40B4-BE49-F238E27FC236}">
+                    <a16:creationId xmlns:a16="http://schemas.microsoft.com/office/drawing/2014/main" id="{324B8426-E3BE-B34E-8A6F-E1CDC7669758}"/>
+                  </a:ext>
+                </a:extLst>
+              </p:cNvPr>
+              <p:cNvSpPr/>
+              <p:nvPr/>
+            </p:nvSpPr>
+            <p:spPr>
+              <a:xfrm>
+                <a:off x="349831" y="5774256"/>
+                <a:ext cx="2128684" cy="1689674"/>
+              </a:xfrm>
+              <a:prstGeom prst="roundRect">
+                <a:avLst/>
+              </a:prstGeom>
+              <a:solidFill>
+                <a:srgbClr val="A2FD3B">
+                  <a:alpha val="69804"/>
+                </a:srgbClr>
+              </a:solidFill>
+            </p:spPr>
+            <p:style>
+              <a:lnRef idx="2">
+                <a:schemeClr val="accent1">
+                  <a:shade val="50000"/>
+                </a:schemeClr>
+              </a:lnRef>
+              <a:fillRef idx="1">
+                <a:schemeClr val="accent1"/>
+              </a:fillRef>
+              <a:effectRef idx="0">
+                <a:schemeClr val="accent1"/>
+              </a:effectRef>
+              <a:fontRef idx="minor">
+                <a:schemeClr val="lt1"/>
+              </a:fontRef>
+            </p:style>
+            <p:txBody>
+              <a:bodyPr rot="0" spcFirstLastPara="0" vertOverflow="overflow" horzOverflow="overflow" vert="horz" wrap="square" lIns="91440" tIns="45720" rIns="91440" bIns="45720" numCol="1" spcCol="0" rtlCol="0" fromWordArt="0" anchor="ctr" anchorCtr="0" forceAA="0" compatLnSpc="1">
+                <a:prstTxWarp prst="textNoShape">
+                  <a:avLst/>
+                </a:prstTxWarp>
+                <a:noAutofit/>
+              </a:bodyPr>
+              <a:lstStyle/>
+              <a:p>
+                <a:pPr algn="ctr"/>
+                <a:endParaRPr lang="en-US" dirty="0"/>
+              </a:p>
+            </p:txBody>
+          </p:sp>
+          <p:pic>
+            <p:nvPicPr>
+              <p:cNvPr id="19" name="Picture 18">
+                <a:extLst>
+                  <a:ext uri="{FF2B5EF4-FFF2-40B4-BE49-F238E27FC236}">
+                    <a16:creationId xmlns:a16="http://schemas.microsoft.com/office/drawing/2014/main" id="{A1435571-2753-5848-BAA3-433423E125E8}"/>
+                  </a:ext>
+                </a:extLst>
+              </p:cNvPr>
+              <p:cNvPicPr>
+                <a:picLocks noChangeAspect="1"/>
+              </p:cNvPicPr>
+              <p:nvPr/>
+            </p:nvPicPr>
+            <p:blipFill>
+              <a:blip r:embed="rId8"/>
+              <a:stretch>
+                <a:fillRect/>
+              </a:stretch>
+            </p:blipFill>
+            <p:spPr>
+              <a:xfrm>
+                <a:off x="374937" y="5929435"/>
+                <a:ext cx="2057400" cy="1428750"/>
+              </a:xfrm>
+              <a:prstGeom prst="rect">
+                <a:avLst/>
+              </a:prstGeom>
+            </p:spPr>
+          </p:pic>
+        </p:grpSp>
+        <p:grpSp>
+          <p:nvGrpSpPr>
+            <p:cNvPr id="28" name="Group 27">
+              <a:extLst>
+                <a:ext uri="{FF2B5EF4-FFF2-40B4-BE49-F238E27FC236}">
+                  <a16:creationId xmlns:a16="http://schemas.microsoft.com/office/drawing/2014/main" id="{DA0E12DC-6A43-1848-A519-16D412A8496D}"/>
+                </a:ext>
+              </a:extLst>
+            </p:cNvPr>
+            <p:cNvGrpSpPr/>
+            <p:nvPr/>
+          </p:nvGrpSpPr>
+          <p:grpSpPr>
+            <a:xfrm>
+              <a:off x="5588400" y="3411741"/>
+              <a:ext cx="2145091" cy="1691640"/>
+              <a:chOff x="347050" y="4140009"/>
+              <a:chExt cx="2145091" cy="1691640"/>
+            </a:xfrm>
+          </p:grpSpPr>
+          <p:sp>
+            <p:nvSpPr>
+              <p:cNvPr id="36" name="Rounded Rectangle 35">
+                <a:extLst>
+                  <a:ext uri="{FF2B5EF4-FFF2-40B4-BE49-F238E27FC236}">
+                    <a16:creationId xmlns:a16="http://schemas.microsoft.com/office/drawing/2014/main" id="{CD58CEDB-EFC2-6841-8A61-8BB2FCF16A78}"/>
+                  </a:ext>
+                </a:extLst>
+              </p:cNvPr>
+              <p:cNvSpPr/>
+              <p:nvPr/>
+            </p:nvSpPr>
+            <p:spPr>
+              <a:xfrm>
+                <a:off x="347050" y="4140009"/>
+                <a:ext cx="2128684" cy="1691640"/>
+              </a:xfrm>
+              <a:prstGeom prst="roundRect">
+                <a:avLst/>
+              </a:prstGeom>
+              <a:solidFill>
+                <a:srgbClr val="456CE3">
+                  <a:alpha val="69804"/>
+                </a:srgbClr>
+              </a:solidFill>
+            </p:spPr>
+            <p:style>
+              <a:lnRef idx="2">
+                <a:schemeClr val="accent1">
+                  <a:shade val="50000"/>
+                </a:schemeClr>
+              </a:lnRef>
+              <a:fillRef idx="1">
+                <a:schemeClr val="accent1"/>
+              </a:fillRef>
+              <a:effectRef idx="0">
+                <a:schemeClr val="accent1"/>
+              </a:effectRef>
+              <a:fontRef idx="minor">
+                <a:schemeClr val="lt1"/>
+              </a:fontRef>
+            </p:style>
+            <p:txBody>
+              <a:bodyPr rot="0" spcFirstLastPara="0" vertOverflow="overflow" horzOverflow="overflow" vert="horz" wrap="square" lIns="91440" tIns="45720" rIns="91440" bIns="45720" numCol="1" spcCol="0" rtlCol="0" fromWordArt="0" anchor="ctr" anchorCtr="0" forceAA="0" compatLnSpc="1">
+                <a:prstTxWarp prst="textNoShape">
+                  <a:avLst/>
+                </a:prstTxWarp>
+                <a:noAutofit/>
+              </a:bodyPr>
+              <a:lstStyle/>
+              <a:p>
+                <a:pPr algn="ctr"/>
+                <a:endParaRPr lang="en-US" dirty="0"/>
+              </a:p>
+            </p:txBody>
+          </p:sp>
+          <p:pic>
+            <p:nvPicPr>
+              <p:cNvPr id="63" name="Picture 62">
+                <a:extLst>
+                  <a:ext uri="{FF2B5EF4-FFF2-40B4-BE49-F238E27FC236}">
+                    <a16:creationId xmlns:a16="http://schemas.microsoft.com/office/drawing/2014/main" id="{D2F5FBC9-907E-FC4B-BD8A-3105433DECD3}"/>
+                  </a:ext>
+                </a:extLst>
+              </p:cNvPr>
+              <p:cNvPicPr>
+                <a:picLocks noChangeAspect="1"/>
+              </p:cNvPicPr>
+              <p:nvPr/>
+            </p:nvPicPr>
+            <p:blipFill>
+              <a:blip r:embed="rId9"/>
+              <a:stretch>
+                <a:fillRect/>
+              </a:stretch>
+            </p:blipFill>
+            <p:spPr>
+              <a:xfrm>
+                <a:off x="434741" y="4269374"/>
+                <a:ext cx="2057400" cy="1428750"/>
+              </a:xfrm>
+              <a:prstGeom prst="rect">
+                <a:avLst/>
+              </a:prstGeom>
+            </p:spPr>
+          </p:pic>
+        </p:grpSp>
+      </p:grpSp>
+      <p:sp>
+        <p:nvSpPr>
+          <p:cNvPr id="70" name="Right Arrow 69">
+            <a:extLst>
+              <a:ext uri="{FF2B5EF4-FFF2-40B4-BE49-F238E27FC236}">
+                <a16:creationId xmlns:a16="http://schemas.microsoft.com/office/drawing/2014/main" id="{81BB79BB-FC43-2D41-AEE2-636D136BA58B}"/>
               </a:ext>
             </a:extLst>
           </p:cNvPr>
@@ -4148,9 +4716,9 @@
           <p:nvPr/>
         </p:nvSpPr>
         <p:spPr>
-          <a:xfrm>
-            <a:off x="7424966" y="671274"/>
-            <a:ext cx="599572" cy="299444"/>
+          <a:xfrm rot="2285298" flipV="1">
+            <a:off x="1645141" y="5102892"/>
+            <a:ext cx="770009" cy="610139"/>
           </a:xfrm>
           <a:prstGeom prst="rightArrow">
             <a:avLst/>
@@ -4194,12 +4762,74 @@
           </a:p>
         </p:txBody>
       </p:sp>
+      <p:sp>
+        <p:nvSpPr>
+          <p:cNvPr id="73" name="Right Arrow 72">
+            <a:extLst>
+              <a:ext uri="{FF2B5EF4-FFF2-40B4-BE49-F238E27FC236}">
+                <a16:creationId xmlns:a16="http://schemas.microsoft.com/office/drawing/2014/main" id="{FB4EACCB-FBB6-9F48-9A83-895A79C5D408}"/>
+              </a:ext>
+            </a:extLst>
+          </p:cNvPr>
+          <p:cNvSpPr/>
+          <p:nvPr/>
+        </p:nvSpPr>
+        <p:spPr>
+          <a:xfrm rot="19117659">
+            <a:off x="4548341" y="1357841"/>
+            <a:ext cx="1371600" cy="457200"/>
+          </a:xfrm>
+          <a:prstGeom prst="rightArrow">
+            <a:avLst/>
+          </a:prstGeom>
+          <a:solidFill>
+            <a:schemeClr val="accent1">
+              <a:lumMod val="60000"/>
+              <a:lumOff val="40000"/>
+            </a:schemeClr>
+          </a:solidFill>
+          <a:ln>
+            <a:solidFill>
+              <a:srgbClr val="92D050"/>
+            </a:solidFill>
+          </a:ln>
+        </p:spPr>
+        <p:style>
+          <a:lnRef idx="2">
+            <a:schemeClr val="accent1">
+              <a:shade val="50000"/>
+            </a:schemeClr>
+          </a:lnRef>
+          <a:fillRef idx="1">
+            <a:schemeClr val="accent1"/>
+          </a:fillRef>
+          <a:effectRef idx="0">
+            <a:schemeClr val="accent1"/>
+          </a:effectRef>
+          <a:fontRef idx="minor">
+            <a:schemeClr val="lt1"/>
+          </a:fontRef>
+        </p:style>
+        <p:txBody>
+          <a:bodyPr rot="0" spcFirstLastPara="0" vertOverflow="overflow" horzOverflow="overflow" vert="horz" wrap="square" lIns="91440" tIns="45720" rIns="91440" bIns="45720" numCol="1" spcCol="0" rtlCol="0" fromWordArt="0" anchor="ctr" anchorCtr="0" forceAA="0" compatLnSpc="1">
+            <a:prstTxWarp prst="textNoShape">
+              <a:avLst/>
+            </a:prstTxWarp>
+            <a:noAutofit/>
+          </a:bodyPr>
+          <a:lstStyle/>
+          <a:p>
+            <a:pPr algn="ctr"/>
+            <a:endParaRPr lang="en-US"/>
+          </a:p>
+        </p:txBody>
+      </p:sp>
       <p:pic>
         <p:nvPicPr>
-          <p:cNvPr id="80" name="Picture 79">
+          <p:cNvPr id="40" name="Graphic 39">
             <a:extLst>
               <a:ext uri="{FF2B5EF4-FFF2-40B4-BE49-F238E27FC236}">
-                <a16:creationId xmlns:a16="http://schemas.microsoft.com/office/drawing/2014/main" id="{0BA3A38B-CAF9-144C-803C-CBBDE8CD6093}"/>
+                <a16:creationId xmlns:a16="http://schemas.microsoft.com/office/drawing/2014/main" id="{1261CEDD-11B7-6E41-891F-2C0CFD11EDD9}"/>
               </a:ext>
             </a:extLst>
           </p:cNvPr>
@@ -4209,81 +4839,507 @@
           <p:nvPr/>
         </p:nvPicPr>
         <p:blipFill>
-          <a:blip r:embed="rId6"/>
+          <a:blip r:embed="rId10">
+            <a:extLst>
+              <a:ext uri="{96DAC541-7B7A-43D3-8B79-37D633B846F1}">
+                <asvg:svgBlip xmlns:asvg="http://schemas.microsoft.com/office/drawing/2016/SVG/main" r:embed="rId11"/>
+              </a:ext>
+            </a:extLst>
+          </a:blip>
           <a:stretch>
             <a:fillRect/>
           </a:stretch>
         </p:blipFill>
         <p:spPr>
           <a:xfrm>
-            <a:off x="2292161" y="1983580"/>
-            <a:ext cx="2058497" cy="1225296"/>
+            <a:off x="22240062" y="56613"/>
+            <a:ext cx="5029200" cy="4572000"/>
           </a:xfrm>
           <a:prstGeom prst="rect">
             <a:avLst/>
           </a:prstGeom>
         </p:spPr>
       </p:pic>
-      <p:pic>
-        <p:nvPicPr>
-          <p:cNvPr id="82" name="Picture 81">
+      <p:sp>
+        <p:nvSpPr>
+          <p:cNvPr id="41" name="TextBox 40">
             <a:extLst>
               <a:ext uri="{FF2B5EF4-FFF2-40B4-BE49-F238E27FC236}">
-                <a16:creationId xmlns:a16="http://schemas.microsoft.com/office/drawing/2014/main" id="{620A3D24-370C-6446-A8B5-A2E82C59465D}"/>
+                <a16:creationId xmlns:a16="http://schemas.microsoft.com/office/drawing/2014/main" id="{4C823A2F-A4CF-804B-96BE-C52E250DAB49}"/>
               </a:ext>
             </a:extLst>
           </p:cNvPr>
-          <p:cNvPicPr>
-            <a:picLocks noChangeAspect="1"/>
-          </p:cNvPicPr>
+          <p:cNvSpPr txBox="1"/>
           <p:nvPr/>
-        </p:nvPicPr>
-        <p:blipFill>
-          <a:blip r:embed="rId7"/>
-          <a:stretch>
-            <a:fillRect/>
-          </a:stretch>
-        </p:blipFill>
+        </p:nvSpPr>
         <p:spPr>
           <a:xfrm>
-            <a:off x="190517" y="3469152"/>
-            <a:ext cx="2058497" cy="1225296"/>
+            <a:off x="7125633" y="1193236"/>
+            <a:ext cx="853393" cy="1107996"/>
           </a:xfrm>
           <a:prstGeom prst="rect">
             <a:avLst/>
           </a:prstGeom>
+          <a:noFill/>
         </p:spPr>
-      </p:pic>
-      <p:pic>
-        <p:nvPicPr>
-          <p:cNvPr id="84" name="Picture 83">
+        <p:txBody>
+          <a:bodyPr wrap="square" rtlCol="0">
+            <a:spAutoFit/>
+          </a:bodyPr>
+          <a:lstStyle/>
+          <a:p>
+            <a:r>
+              <a:rPr lang="en-US" sz="6600" b="1" dirty="0">
+                <a:solidFill>
+                  <a:srgbClr val="92D050"/>
+                </a:solidFill>
+              </a:rPr>
+              <a:t>+</a:t>
+            </a:r>
+          </a:p>
+        </p:txBody>
+      </p:sp>
+      <p:grpSp>
+        <p:nvGrpSpPr>
+          <p:cNvPr id="44" name="Group 43">
             <a:extLst>
               <a:ext uri="{FF2B5EF4-FFF2-40B4-BE49-F238E27FC236}">
-                <a16:creationId xmlns:a16="http://schemas.microsoft.com/office/drawing/2014/main" id="{84092784-3BBB-794F-87EB-70BD6F373E1A}"/>
+                <a16:creationId xmlns:a16="http://schemas.microsoft.com/office/drawing/2014/main" id="{19BDF75F-3F12-2A40-967C-67D193E9D372}"/>
               </a:ext>
             </a:extLst>
           </p:cNvPr>
-          <p:cNvPicPr>
-            <a:picLocks noChangeAspect="1"/>
-          </p:cNvPicPr>
+          <p:cNvGrpSpPr/>
           <p:nvPr/>
-        </p:nvPicPr>
-        <p:blipFill>
-          <a:blip r:embed="rId8"/>
-          <a:stretch>
-            <a:fillRect/>
-          </a:stretch>
-        </p:blipFill>
+        </p:nvGrpSpPr>
+        <p:grpSpPr>
+          <a:xfrm>
+            <a:off x="2262161" y="1496336"/>
+            <a:ext cx="2281394" cy="853440"/>
+            <a:chOff x="2511035" y="546299"/>
+            <a:chExt cx="2281394" cy="853440"/>
+          </a:xfrm>
+        </p:grpSpPr>
+        <p:sp>
+          <p:nvSpPr>
+            <p:cNvPr id="43" name="Snip Diagonal Corner Rectangle 42">
+              <a:extLst>
+                <a:ext uri="{FF2B5EF4-FFF2-40B4-BE49-F238E27FC236}">
+                  <a16:creationId xmlns:a16="http://schemas.microsoft.com/office/drawing/2014/main" id="{ABF182D5-D85F-FE41-8034-3ECED1B9631F}"/>
+                </a:ext>
+              </a:extLst>
+            </p:cNvPr>
+            <p:cNvSpPr/>
+            <p:nvPr/>
+          </p:nvSpPr>
+          <p:spPr>
+            <a:xfrm>
+              <a:off x="2520978" y="546299"/>
+              <a:ext cx="2197068" cy="853440"/>
+            </a:xfrm>
+            <a:prstGeom prst="snip2DiagRect">
+              <a:avLst/>
+            </a:prstGeom>
+            <a:solidFill>
+              <a:srgbClr val="00B0F0"/>
+            </a:solidFill>
+            <a:ln>
+              <a:noFill/>
+            </a:ln>
+          </p:spPr>
+          <p:style>
+            <a:lnRef idx="2">
+              <a:schemeClr val="accent1">
+                <a:shade val="50000"/>
+              </a:schemeClr>
+            </a:lnRef>
+            <a:fillRef idx="1">
+              <a:schemeClr val="accent1"/>
+            </a:fillRef>
+            <a:effectRef idx="0">
+              <a:schemeClr val="accent1"/>
+            </a:effectRef>
+            <a:fontRef idx="minor">
+              <a:schemeClr val="lt1"/>
+            </a:fontRef>
+          </p:style>
+          <p:txBody>
+            <a:bodyPr rtlCol="0" anchor="ctr"/>
+            <a:lstStyle/>
+            <a:p>
+              <a:pPr algn="ctr"/>
+              <a:endParaRPr lang="en-US"/>
+            </a:p>
+          </p:txBody>
+        </p:sp>
+        <p:sp>
+          <p:nvSpPr>
+            <p:cNvPr id="81" name="TextBox 80">
+              <a:extLst>
+                <a:ext uri="{FF2B5EF4-FFF2-40B4-BE49-F238E27FC236}">
+                  <a16:creationId xmlns:a16="http://schemas.microsoft.com/office/drawing/2014/main" id="{FC6AAB64-DE8E-954D-B242-FD6858A28E03}"/>
+                </a:ext>
+              </a:extLst>
+            </p:cNvPr>
+            <p:cNvSpPr txBox="1"/>
+            <p:nvPr/>
+          </p:nvSpPr>
+          <p:spPr>
+            <a:xfrm>
+              <a:off x="2511035" y="686201"/>
+              <a:ext cx="2281394" cy="523220"/>
+            </a:xfrm>
+            <a:prstGeom prst="rect">
+              <a:avLst/>
+            </a:prstGeom>
+            <a:noFill/>
+          </p:spPr>
+          <p:txBody>
+            <a:bodyPr wrap="none" rtlCol="0">
+              <a:spAutoFit/>
+            </a:bodyPr>
+            <a:lstStyle/>
+            <a:p>
+              <a:pPr algn="ctr"/>
+              <a:r>
+                <a:rPr lang="en-US" sz="2800" dirty="0"/>
+                <a:t>Your own tree</a:t>
+              </a:r>
+            </a:p>
+          </p:txBody>
+        </p:sp>
+      </p:grpSp>
+      <p:sp>
+        <p:nvSpPr>
+          <p:cNvPr id="58" name="Folded Corner 57">
+            <a:extLst>
+              <a:ext uri="{FF2B5EF4-FFF2-40B4-BE49-F238E27FC236}">
+                <a16:creationId xmlns:a16="http://schemas.microsoft.com/office/drawing/2014/main" id="{9647C27A-34C1-4E4D-AF76-43DB12541FB1}"/>
+              </a:ext>
+            </a:extLst>
+          </p:cNvPr>
+          <p:cNvSpPr/>
+          <p:nvPr/>
+        </p:nvSpPr>
         <p:spPr>
           <a:xfrm>
-            <a:off x="2368841" y="3538181"/>
-            <a:ext cx="2058497" cy="1225296"/>
+            <a:off x="2168129" y="82699"/>
+            <a:ext cx="2329876" cy="1005840"/>
+          </a:xfrm>
+          <a:prstGeom prst="foldedCorner">
+            <a:avLst/>
+          </a:prstGeom>
+          <a:solidFill>
+            <a:schemeClr val="accent4">
+              <a:lumMod val="60000"/>
+              <a:lumOff val="40000"/>
+            </a:schemeClr>
+          </a:solidFill>
+          <a:ln>
+            <a:noFill/>
+          </a:ln>
+        </p:spPr>
+        <p:style>
+          <a:lnRef idx="2">
+            <a:schemeClr val="accent1">
+              <a:shade val="50000"/>
+            </a:schemeClr>
+          </a:lnRef>
+          <a:fillRef idx="1">
+            <a:schemeClr val="accent1"/>
+          </a:fillRef>
+          <a:effectRef idx="0">
+            <a:schemeClr val="accent1"/>
+          </a:effectRef>
+          <a:fontRef idx="minor">
+            <a:schemeClr val="lt1"/>
+          </a:fontRef>
+        </p:style>
+        <p:txBody>
+          <a:bodyPr rtlCol="0" anchor="ctr"/>
+          <a:lstStyle/>
+          <a:p>
+            <a:pPr algn="ctr"/>
+            <a:endParaRPr lang="en-US"/>
+          </a:p>
+        </p:txBody>
+      </p:sp>
+      <p:sp>
+        <p:nvSpPr>
+          <p:cNvPr id="83" name="TextBox 82">
+            <a:extLst>
+              <a:ext uri="{FF2B5EF4-FFF2-40B4-BE49-F238E27FC236}">
+                <a16:creationId xmlns:a16="http://schemas.microsoft.com/office/drawing/2014/main" id="{6A567310-544C-9341-8336-FF46C5C5A55D}"/>
+              </a:ext>
+            </a:extLst>
+          </p:cNvPr>
+          <p:cNvSpPr txBox="1"/>
+          <p:nvPr/>
+        </p:nvSpPr>
+        <p:spPr>
+          <a:xfrm>
+            <a:off x="2510761" y="23711"/>
+            <a:ext cx="1644616" cy="954107"/>
           </a:xfrm>
           <a:prstGeom prst="rect">
             <a:avLst/>
           </a:prstGeom>
+          <a:noFill/>
         </p:spPr>
-      </p:pic>
+        <p:txBody>
+          <a:bodyPr wrap="none" rtlCol="0">
+            <a:spAutoFit/>
+          </a:bodyPr>
+          <a:lstStyle/>
+          <a:p>
+            <a:pPr algn="ctr"/>
+            <a:r>
+              <a:rPr lang="en-US" sz="2800" dirty="0"/>
+              <a:t>Literature</a:t>
+            </a:r>
+          </a:p>
+          <a:p>
+            <a:pPr algn="ctr"/>
+            <a:r>
+              <a:rPr lang="en-US" sz="2800" dirty="0"/>
+              <a:t>search</a:t>
+            </a:r>
+          </a:p>
+        </p:txBody>
+      </p:sp>
+      <p:grpSp>
+        <p:nvGrpSpPr>
+          <p:cNvPr id="89" name="Group 88">
+            <a:extLst>
+              <a:ext uri="{FF2B5EF4-FFF2-40B4-BE49-F238E27FC236}">
+                <a16:creationId xmlns:a16="http://schemas.microsoft.com/office/drawing/2014/main" id="{983E0517-547E-5947-8F60-F443CC8A1CC9}"/>
+              </a:ext>
+            </a:extLst>
+          </p:cNvPr>
+          <p:cNvGrpSpPr/>
+          <p:nvPr/>
+        </p:nvGrpSpPr>
+        <p:grpSpPr>
+          <a:xfrm>
+            <a:off x="5484222" y="5590267"/>
+            <a:ext cx="3691513" cy="794998"/>
+            <a:chOff x="5934588" y="2041122"/>
+            <a:chExt cx="3691513" cy="794998"/>
+          </a:xfrm>
+        </p:grpSpPr>
+        <p:sp>
+          <p:nvSpPr>
+            <p:cNvPr id="90" name="Rounded Rectangle 89">
+              <a:extLst>
+                <a:ext uri="{FF2B5EF4-FFF2-40B4-BE49-F238E27FC236}">
+                  <a16:creationId xmlns:a16="http://schemas.microsoft.com/office/drawing/2014/main" id="{BB79A917-3218-4A4D-B671-FEEFC48464E2}"/>
+                </a:ext>
+              </a:extLst>
+            </p:cNvPr>
+            <p:cNvSpPr/>
+            <p:nvPr/>
+          </p:nvSpPr>
+          <p:spPr>
+            <a:xfrm>
+              <a:off x="5934588" y="2041122"/>
+              <a:ext cx="3691513" cy="794998"/>
+            </a:xfrm>
+            <a:prstGeom prst="roundRect">
+              <a:avLst/>
+            </a:prstGeom>
+            <a:solidFill>
+              <a:schemeClr val="bg2">
+                <a:lumMod val="90000"/>
+              </a:schemeClr>
+            </a:solidFill>
+            <a:ln>
+              <a:noFill/>
+            </a:ln>
+          </p:spPr>
+          <p:style>
+            <a:lnRef idx="2">
+              <a:schemeClr val="accent1">
+                <a:shade val="50000"/>
+              </a:schemeClr>
+            </a:lnRef>
+            <a:fillRef idx="1">
+              <a:schemeClr val="accent1"/>
+            </a:fillRef>
+            <a:effectRef idx="0">
+              <a:schemeClr val="accent1"/>
+            </a:effectRef>
+            <a:fontRef idx="minor">
+              <a:schemeClr val="lt1"/>
+            </a:fontRef>
+          </p:style>
+          <p:txBody>
+            <a:bodyPr rot="0" spcFirstLastPara="0" vertOverflow="overflow" horzOverflow="overflow" vert="horz" wrap="square" lIns="91440" tIns="45720" rIns="91440" bIns="45720" numCol="1" spcCol="0" rtlCol="0" fromWordArt="0" anchor="ctr" anchorCtr="0" forceAA="0" compatLnSpc="1">
+              <a:prstTxWarp prst="textNoShape">
+                <a:avLst/>
+              </a:prstTxWarp>
+              <a:noAutofit/>
+            </a:bodyPr>
+            <a:lstStyle/>
+            <a:p>
+              <a:pPr algn="ctr"/>
+              <a:endParaRPr lang="en-US"/>
+            </a:p>
+          </p:txBody>
+        </p:sp>
+        <p:sp>
+          <p:nvSpPr>
+            <p:cNvPr id="91" name="TextBox 90">
+              <a:extLst>
+                <a:ext uri="{FF2B5EF4-FFF2-40B4-BE49-F238E27FC236}">
+                  <a16:creationId xmlns:a16="http://schemas.microsoft.com/office/drawing/2014/main" id="{1F23C719-B619-1047-8085-B7CD26660880}"/>
+                </a:ext>
+              </a:extLst>
+            </p:cNvPr>
+            <p:cNvSpPr txBox="1"/>
+            <p:nvPr/>
+          </p:nvSpPr>
+          <p:spPr>
+            <a:xfrm>
+              <a:off x="6108434" y="2243795"/>
+              <a:ext cx="3372270" cy="369332"/>
+            </a:xfrm>
+            <a:prstGeom prst="rect">
+              <a:avLst/>
+            </a:prstGeom>
+            <a:noFill/>
+          </p:spPr>
+          <p:txBody>
+            <a:bodyPr wrap="none" rtlCol="0">
+              <a:spAutoFit/>
+            </a:bodyPr>
+            <a:lstStyle/>
+            <a:p>
+              <a:pPr algn="ctr"/>
+              <a:r>
+                <a:rPr lang="en-US" dirty="0"/>
+                <a:t>Search on a chronogram database</a:t>
+              </a:r>
+            </a:p>
+          </p:txBody>
+        </p:sp>
+      </p:grpSp>
+      <p:sp>
+        <p:nvSpPr>
+          <p:cNvPr id="92" name="Right Arrow 91">
+            <a:extLst>
+              <a:ext uri="{FF2B5EF4-FFF2-40B4-BE49-F238E27FC236}">
+                <a16:creationId xmlns:a16="http://schemas.microsoft.com/office/drawing/2014/main" id="{FA11BE57-4BF4-234F-B9F4-6ACCBD099898}"/>
+              </a:ext>
+            </a:extLst>
+          </p:cNvPr>
+          <p:cNvSpPr/>
+          <p:nvPr/>
+        </p:nvSpPr>
+        <p:spPr>
+          <a:xfrm rot="19117659">
+            <a:off x="4458208" y="141132"/>
+            <a:ext cx="1371600" cy="457200"/>
+          </a:xfrm>
+          <a:prstGeom prst="rightArrow">
+            <a:avLst/>
+          </a:prstGeom>
+          <a:solidFill>
+            <a:srgbClr val="FFC000"/>
+          </a:solidFill>
+          <a:ln>
+            <a:solidFill>
+              <a:srgbClr val="92D050"/>
+            </a:solidFill>
+          </a:ln>
+        </p:spPr>
+        <p:style>
+          <a:lnRef idx="2">
+            <a:schemeClr val="accent1">
+              <a:shade val="50000"/>
+            </a:schemeClr>
+          </a:lnRef>
+          <a:fillRef idx="1">
+            <a:schemeClr val="accent1"/>
+          </a:fillRef>
+          <a:effectRef idx="0">
+            <a:schemeClr val="accent1"/>
+          </a:effectRef>
+          <a:fontRef idx="minor">
+            <a:schemeClr val="lt1"/>
+          </a:fontRef>
+        </p:style>
+        <p:txBody>
+          <a:bodyPr rot="0" spcFirstLastPara="0" vertOverflow="overflow" horzOverflow="overflow" vert="horz" wrap="square" lIns="91440" tIns="45720" rIns="91440" bIns="45720" numCol="1" spcCol="0" rtlCol="0" fromWordArt="0" anchor="ctr" anchorCtr="0" forceAA="0" compatLnSpc="1">
+            <a:prstTxWarp prst="textNoShape">
+              <a:avLst/>
+            </a:prstTxWarp>
+            <a:noAutofit/>
+          </a:bodyPr>
+          <a:lstStyle/>
+          <a:p>
+            <a:pPr algn="ctr"/>
+            <a:endParaRPr lang="en-US"/>
+          </a:p>
+        </p:txBody>
+      </p:sp>
+      <p:sp>
+        <p:nvSpPr>
+          <p:cNvPr id="93" name="Right Arrow 92">
+            <a:extLst>
+              <a:ext uri="{FF2B5EF4-FFF2-40B4-BE49-F238E27FC236}">
+                <a16:creationId xmlns:a16="http://schemas.microsoft.com/office/drawing/2014/main" id="{AA25A395-58A6-024E-B499-DD288AF7CC91}"/>
+              </a:ext>
+            </a:extLst>
+          </p:cNvPr>
+          <p:cNvSpPr/>
+          <p:nvPr/>
+        </p:nvSpPr>
+        <p:spPr>
+          <a:xfrm rot="19117659">
+            <a:off x="4425661" y="930270"/>
+            <a:ext cx="1371600" cy="457200"/>
+          </a:xfrm>
+          <a:prstGeom prst="rightArrow">
+            <a:avLst/>
+          </a:prstGeom>
+          <a:solidFill>
+            <a:srgbClr val="00B0F0"/>
+          </a:solidFill>
+          <a:ln>
+            <a:solidFill>
+              <a:srgbClr val="92D050"/>
+            </a:solidFill>
+          </a:ln>
+        </p:spPr>
+        <p:style>
+          <a:lnRef idx="2">
+            <a:schemeClr val="accent1">
+              <a:shade val="50000"/>
+            </a:schemeClr>
+          </a:lnRef>
+          <a:fillRef idx="1">
+            <a:schemeClr val="accent1"/>
+          </a:fillRef>
+          <a:effectRef idx="0">
+            <a:schemeClr val="accent1"/>
+          </a:effectRef>
+          <a:fontRef idx="minor">
+            <a:schemeClr val="lt1"/>
+          </a:fontRef>
+        </p:style>
+        <p:txBody>
+          <a:bodyPr rot="0" spcFirstLastPara="0" vertOverflow="overflow" horzOverflow="overflow" vert="horz" wrap="square" lIns="91440" tIns="45720" rIns="91440" bIns="45720" numCol="1" spcCol="0" rtlCol="0" fromWordArt="0" anchor="ctr" anchorCtr="0" forceAA="0" compatLnSpc="1">
+            <a:prstTxWarp prst="textNoShape">
+              <a:avLst/>
+            </a:prstTxWarp>
+            <a:noAutofit/>
+          </a:bodyPr>
+          <a:lstStyle/>
+          <a:p>
+            <a:pPr algn="ctr"/>
+            <a:endParaRPr lang="en-US"/>
+          </a:p>
+        </p:txBody>
+      </p:sp>
     </p:spTree>
     <p:extLst>
       <p:ext uri="{BB962C8B-B14F-4D97-AF65-F5344CB8AC3E}">

--- a/figures/figure1/figure1.pptx
+++ b/figures/figure1/figure1.pptx
@@ -3345,7 +3345,7 @@
         </p:nvSpPr>
         <p:spPr>
           <a:xfrm>
-            <a:off x="10365191" y="559510"/>
+            <a:off x="10446836" y="559510"/>
             <a:ext cx="2981651" cy="369332"/>
           </a:xfrm>
           <a:prstGeom prst="rect">
@@ -3362,7 +3362,7 @@
             <a:pPr algn="ctr"/>
             <a:r>
               <a:rPr lang="en-US" dirty="0"/>
-              <a:t>3a) Choose A </a:t>
+              <a:t>3a) Choose a </a:t>
             </a:r>
             <a:r>
               <a:rPr lang="en-US" b="1" dirty="0"/>
@@ -4189,7 +4189,7 @@
             <a:pPr algn="ctr"/>
             <a:r>
               <a:rPr lang="en-US" dirty="0"/>
-              <a:t>3c) Use ages of congruent nodes </a:t>
+              <a:t>3d) Use ages of congruent nodes </a:t>
             </a:r>
           </a:p>
           <a:p>
@@ -5330,7 +5330,7 @@
         </p:nvSpPr>
         <p:spPr>
           <a:xfrm>
-            <a:off x="5108352" y="518680"/>
+            <a:off x="5108352" y="567667"/>
             <a:ext cx="4904178" cy="646331"/>
           </a:xfrm>
           <a:prstGeom prst="rect">
@@ -6007,6 +6007,53 @@
           <a:p>
             <a:pPr algn="ctr"/>
             <a:endParaRPr lang="en-US"/>
+          </a:p>
+        </p:txBody>
+      </p:sp>
+      <p:sp>
+        <p:nvSpPr>
+          <p:cNvPr id="79" name="TextBox 78">
+            <a:extLst>
+              <a:ext uri="{FF2B5EF4-FFF2-40B4-BE49-F238E27FC236}">
+                <a16:creationId xmlns:a16="http://schemas.microsoft.com/office/drawing/2014/main" id="{F37A94A7-8A5E-7ECC-C430-7DB933E28C47}"/>
+              </a:ext>
+            </a:extLst>
+          </p:cNvPr>
+          <p:cNvSpPr txBox="1"/>
+          <p:nvPr/>
+        </p:nvSpPr>
+        <p:spPr>
+          <a:xfrm>
+            <a:off x="881940" y="6140190"/>
+            <a:ext cx="4345558" cy="646331"/>
+          </a:xfrm>
+          <a:prstGeom prst="rect">
+            <a:avLst/>
+          </a:prstGeom>
+          <a:noFill/>
+        </p:spPr>
+        <p:txBody>
+          <a:bodyPr wrap="square" rtlCol="0">
+            <a:spAutoFit/>
+          </a:bodyPr>
+          <a:lstStyle/>
+          <a:p>
+            <a:pPr algn="ctr"/>
+            <a:r>
+              <a:rPr lang="en-US" dirty="0"/>
+              <a:t>3d) Use ages of congruent nodes </a:t>
+            </a:r>
+          </a:p>
+          <a:p>
+            <a:pPr algn="ctr"/>
+            <a:r>
+              <a:rPr lang="en-US" dirty="0"/>
+              <a:t>to </a:t>
+            </a:r>
+            <a:r>
+              <a:rPr lang="en-US" b="1" dirty="0"/>
+              <a:t>date a tree topology.</a:t>
+            </a:r>
           </a:p>
         </p:txBody>
       </p:sp>
